--- a/Presentation Template.pptx
+++ b/Presentation Template.pptx
@@ -5615,7 +5615,7 @@
           <a:p>
             <a:fld id="{C17F2C1D-F243-42AB-ADF2-E7CB4E04900E}" type="datetimeFigureOut">
               <a:rPr lang="en-US" smtClean="0"/>
-              <a:t>5/31/2022</a:t>
+              <a:t>5/22/2023</a:t>
             </a:fld>
             <a:endParaRPr lang="en-US"/>
           </a:p>
@@ -5792,7 +5792,7 @@
           <a:p>
             <a:fld id="{020CE34E-5667-4A32-A6BA-10C7A552BC63}" type="datetimeFigureOut">
               <a:rPr lang="en-US" smtClean="0"/>
-              <a:t>5/31/2022</a:t>
+              <a:t>5/22/2023</a:t>
             </a:fld>
             <a:endParaRPr lang="en-US"/>
           </a:p>
@@ -18967,7 +18967,7 @@
           <a:p>
             <a:r>
               <a:rPr lang="en-US" dirty="0"/>
-              <a:t>Presentation Title</a:t>
+              <a:t>My Presentation</a:t>
             </a:r>
           </a:p>
         </p:txBody>
@@ -19036,7 +19036,7 @@
           <a:p>
             <a:r>
               <a:rPr lang="en-US" dirty="0"/>
-              <a:t>Group Name</a:t>
+              <a:t>Whitiora</a:t>
             </a:r>
           </a:p>
         </p:txBody>
@@ -19104,142 +19104,6 @@
           </a:p>
         </p:txBody>
       </p:sp>
-      <p:pic>
-        <p:nvPicPr>
-          <p:cNvPr id="17" name="Picture Placeholder 16" descr="A man smiling in the office">
-            <a:extLst>
-              <a:ext uri="{FF2B5EF4-FFF2-40B4-BE49-F238E27FC236}">
-                <a16:creationId xmlns:a16="http://schemas.microsoft.com/office/drawing/2014/main" id="{05ED5B1E-974F-476C-A3C9-572D3602E95E}"/>
-              </a:ext>
-            </a:extLst>
-          </p:cNvPr>
-          <p:cNvPicPr>
-            <a:picLocks noGrp="1" noChangeAspect="1"/>
-          </p:cNvPicPr>
-          <p:nvPr>
-            <p:ph type="pic" sz="quarter" idx="13"/>
-          </p:nvPr>
-        </p:nvPicPr>
-        <p:blipFill rotWithShape="1">
-          <a:blip r:embed="rId3" cstate="screen">
-            <a:extLst>
-              <a:ext uri="{28A0092B-C50C-407E-A947-70E740481C1C}">
-                <a14:useLocalDpi xmlns:a14="http://schemas.microsoft.com/office/drawing/2010/main" val="0"/>
-              </a:ext>
-            </a:extLst>
-          </a:blip>
-          <a:srcRect/>
-          <a:stretch/>
-        </p:blipFill>
-        <p:spPr>
-          <a:xfrm>
-            <a:off x="1078992" y="1990724"/>
-            <a:ext cx="1691640" cy="1435608"/>
-          </a:xfrm>
-        </p:spPr>
-      </p:pic>
-      <p:pic>
-        <p:nvPicPr>
-          <p:cNvPr id="36" name="Picture Placeholder 35" descr="A lady smiling in the office">
-            <a:extLst>
-              <a:ext uri="{FF2B5EF4-FFF2-40B4-BE49-F238E27FC236}">
-                <a16:creationId xmlns:a16="http://schemas.microsoft.com/office/drawing/2014/main" id="{F3CCCCDF-EA66-4F5E-98F3-A05239CBBAC4}"/>
-              </a:ext>
-            </a:extLst>
-          </p:cNvPr>
-          <p:cNvPicPr>
-            <a:picLocks noGrp="1" noChangeAspect="1"/>
-          </p:cNvPicPr>
-          <p:nvPr>
-            <p:ph type="pic" sz="quarter" idx="14"/>
-          </p:nvPr>
-        </p:nvPicPr>
-        <p:blipFill rotWithShape="1">
-          <a:blip r:embed="rId4" cstate="screen">
-            <a:extLst>
-              <a:ext uri="{28A0092B-C50C-407E-A947-70E740481C1C}">
-                <a14:useLocalDpi xmlns:a14="http://schemas.microsoft.com/office/drawing/2010/main" val="0"/>
-              </a:ext>
-            </a:extLst>
-          </a:blip>
-          <a:srcRect/>
-          <a:stretch/>
-        </p:blipFill>
-        <p:spPr>
-          <a:xfrm>
-            <a:off x="3838384" y="1990724"/>
-            <a:ext cx="1691640" cy="1435608"/>
-          </a:xfrm>
-        </p:spPr>
-      </p:pic>
-      <p:pic>
-        <p:nvPicPr>
-          <p:cNvPr id="38" name="Picture Placeholder 37" descr="A lady in the office smiling at the camera&#10;">
-            <a:extLst>
-              <a:ext uri="{FF2B5EF4-FFF2-40B4-BE49-F238E27FC236}">
-                <a16:creationId xmlns:a16="http://schemas.microsoft.com/office/drawing/2014/main" id="{8A6BB597-41F4-432E-8432-8F39511B2941}"/>
-              </a:ext>
-            </a:extLst>
-          </p:cNvPr>
-          <p:cNvPicPr>
-            <a:picLocks noGrp="1" noChangeAspect="1"/>
-          </p:cNvPicPr>
-          <p:nvPr>
-            <p:ph type="pic" sz="quarter" idx="15"/>
-          </p:nvPr>
-        </p:nvPicPr>
-        <p:blipFill rotWithShape="1">
-          <a:blip r:embed="rId5" cstate="screen">
-            <a:extLst>
-              <a:ext uri="{28A0092B-C50C-407E-A947-70E740481C1C}">
-                <a14:useLocalDpi xmlns:a14="http://schemas.microsoft.com/office/drawing/2010/main" val="0"/>
-              </a:ext>
-            </a:extLst>
-          </a:blip>
-          <a:srcRect/>
-          <a:stretch/>
-        </p:blipFill>
-        <p:spPr>
-          <a:xfrm>
-            <a:off x="6661976" y="1993392"/>
-            <a:ext cx="1691640" cy="1435608"/>
-          </a:xfrm>
-        </p:spPr>
-      </p:pic>
-      <p:pic>
-        <p:nvPicPr>
-          <p:cNvPr id="40" name="Picture Placeholder 39" descr="Smiling man with a beard">
-            <a:extLst>
-              <a:ext uri="{FF2B5EF4-FFF2-40B4-BE49-F238E27FC236}">
-                <a16:creationId xmlns:a16="http://schemas.microsoft.com/office/drawing/2014/main" id="{76B2FC80-9F3B-46D8-94D9-882D90A858F6}"/>
-              </a:ext>
-            </a:extLst>
-          </p:cNvPr>
-          <p:cNvPicPr>
-            <a:picLocks noGrp="1" noChangeAspect="1"/>
-          </p:cNvPicPr>
-          <p:nvPr>
-            <p:ph type="pic" sz="quarter" idx="16"/>
-          </p:nvPr>
-        </p:nvPicPr>
-        <p:blipFill rotWithShape="1">
-          <a:blip r:embed="rId6" cstate="screen">
-            <a:extLst>
-              <a:ext uri="{28A0092B-C50C-407E-A947-70E740481C1C}">
-                <a14:useLocalDpi xmlns:a14="http://schemas.microsoft.com/office/drawing/2010/main" val="0"/>
-              </a:ext>
-            </a:extLst>
-          </a:blip>
-          <a:srcRect/>
-          <a:stretch/>
-        </p:blipFill>
-        <p:spPr>
-          <a:xfrm>
-            <a:off x="9485568" y="1990724"/>
-            <a:ext cx="1691640" cy="1435608"/>
-          </a:xfrm>
-        </p:spPr>
-      </p:pic>
       <p:sp>
         <p:nvSpPr>
           <p:cNvPr id="41" name="Text Placeholder 40">
@@ -19268,7 +19132,7 @@
           <a:p>
             <a:r>
               <a:rPr lang="en-US" dirty="0"/>
-              <a:t>Name</a:t>
+              <a:t>Whitiora 1</a:t>
             </a:r>
           </a:p>
         </p:txBody>
@@ -19301,7 +19165,7 @@
           <a:p>
             <a:r>
               <a:rPr lang="en-US" dirty="0"/>
-              <a:t>Title</a:t>
+              <a:t>Team Leader</a:t>
             </a:r>
           </a:p>
         </p:txBody>
@@ -19334,7 +19198,7 @@
           <a:p>
             <a:r>
               <a:rPr lang="en-US" dirty="0"/>
-              <a:t>Name</a:t>
+              <a:t>Whitiora 2</a:t>
             </a:r>
           </a:p>
         </p:txBody>
@@ -19367,7 +19231,7 @@
           <a:p>
             <a:r>
               <a:rPr lang="en-US" dirty="0"/>
-              <a:t>Title</a:t>
+              <a:t>Interviewed the person</a:t>
             </a:r>
           </a:p>
         </p:txBody>
@@ -19400,7 +19264,7 @@
           <a:p>
             <a:r>
               <a:rPr lang="en-US" dirty="0"/>
-              <a:t>Name</a:t>
+              <a:t>Whitiora 3</a:t>
             </a:r>
           </a:p>
         </p:txBody>
@@ -19433,7 +19297,7 @@
           <a:p>
             <a:r>
               <a:rPr lang="en-US" dirty="0"/>
-              <a:t>Title</a:t>
+              <a:t>Researcher </a:t>
             </a:r>
           </a:p>
         </p:txBody>
@@ -19466,7 +19330,7 @@
           <a:p>
             <a:r>
               <a:rPr lang="en-US" dirty="0"/>
-              <a:t>Name</a:t>
+              <a:t>Whitiora 4</a:t>
             </a:r>
           </a:p>
         </p:txBody>
@@ -19499,7 +19363,7 @@
           <a:p>
             <a:r>
               <a:rPr lang="en-US" dirty="0"/>
-              <a:t>Title</a:t>
+              <a:t>Presentation </a:t>
             </a:r>
           </a:p>
         </p:txBody>
@@ -19605,6 +19469,78 @@
             <a:endParaRPr lang="en-US"/>
           </a:p>
         </p:txBody>
+      </p:sp>
+      <p:sp>
+        <p:nvSpPr>
+          <p:cNvPr id="4" name="Picture Placeholder 3">
+            <a:extLst>
+              <a:ext uri="{FF2B5EF4-FFF2-40B4-BE49-F238E27FC236}">
+                <a16:creationId xmlns:a16="http://schemas.microsoft.com/office/drawing/2014/main" id="{5A0F3B4E-3CC7-71E7-CE83-E821A9A50F2D}"/>
+              </a:ext>
+            </a:extLst>
+          </p:cNvPr>
+          <p:cNvSpPr>
+            <a:spLocks noGrp="1"/>
+          </p:cNvSpPr>
+          <p:nvPr>
+            <p:ph type="pic" sz="quarter" idx="13"/>
+          </p:nvPr>
+        </p:nvSpPr>
+        <p:spPr/>
+      </p:sp>
+      <p:sp>
+        <p:nvSpPr>
+          <p:cNvPr id="10" name="Picture Placeholder 9">
+            <a:extLst>
+              <a:ext uri="{FF2B5EF4-FFF2-40B4-BE49-F238E27FC236}">
+                <a16:creationId xmlns:a16="http://schemas.microsoft.com/office/drawing/2014/main" id="{74EDD8BB-C495-C974-0740-9FDE4D747D81}"/>
+              </a:ext>
+            </a:extLst>
+          </p:cNvPr>
+          <p:cNvSpPr>
+            <a:spLocks noGrp="1"/>
+          </p:cNvSpPr>
+          <p:nvPr>
+            <p:ph type="pic" sz="quarter" idx="14"/>
+          </p:nvPr>
+        </p:nvSpPr>
+        <p:spPr/>
+      </p:sp>
+      <p:sp>
+        <p:nvSpPr>
+          <p:cNvPr id="12" name="Picture Placeholder 11">
+            <a:extLst>
+              <a:ext uri="{FF2B5EF4-FFF2-40B4-BE49-F238E27FC236}">
+                <a16:creationId xmlns:a16="http://schemas.microsoft.com/office/drawing/2014/main" id="{7886E1A7-C92C-8F2F-31CD-BF7167485655}"/>
+              </a:ext>
+            </a:extLst>
+          </p:cNvPr>
+          <p:cNvSpPr>
+            <a:spLocks noGrp="1"/>
+          </p:cNvSpPr>
+          <p:nvPr>
+            <p:ph type="pic" sz="quarter" idx="15"/>
+          </p:nvPr>
+        </p:nvSpPr>
+        <p:spPr/>
+      </p:sp>
+      <p:sp>
+        <p:nvSpPr>
+          <p:cNvPr id="14" name="Picture Placeholder 13">
+            <a:extLst>
+              <a:ext uri="{FF2B5EF4-FFF2-40B4-BE49-F238E27FC236}">
+                <a16:creationId xmlns:a16="http://schemas.microsoft.com/office/drawing/2014/main" id="{F7CBED9F-F92E-4797-9ABF-26366F8AB2B9}"/>
+              </a:ext>
+            </a:extLst>
+          </p:cNvPr>
+          <p:cNvSpPr>
+            <a:spLocks noGrp="1"/>
+          </p:cNvSpPr>
+          <p:nvPr>
+            <p:ph type="pic" sz="quarter" idx="16"/>
+          </p:nvPr>
+        </p:nvSpPr>
+        <p:spPr/>
       </p:sp>
     </p:spTree>
     <p:extLst>
@@ -23313,7 +23249,7 @@
         </p:blipFill>
         <p:spPr>
           <a:xfrm>
-            <a:off x="5208928" y="1596771"/>
+            <a:off x="5468505" y="1728278"/>
             <a:ext cx="3448558" cy="3448558"/>
           </a:xfrm>
         </p:spPr>
@@ -23347,7 +23283,7 @@
         </p:blipFill>
         <p:spPr>
           <a:xfrm>
-            <a:off x="8918575" y="596392"/>
+            <a:off x="8930239" y="596391"/>
             <a:ext cx="2263776" cy="2263776"/>
           </a:xfrm>
         </p:spPr>
@@ -23381,7 +23317,7 @@
         </p:blipFill>
         <p:spPr>
           <a:xfrm>
-            <a:off x="9091612" y="3324733"/>
+            <a:off x="9097964" y="3324733"/>
             <a:ext cx="2936876" cy="2936876"/>
           </a:xfrm>
         </p:spPr>
@@ -23487,6 +23423,1215 @@
           </a:p>
         </p:txBody>
       </p:sp>
+      <p:sp>
+        <p:nvSpPr>
+          <p:cNvPr id="22" name="Freeform: Shape 21">
+            <a:extLst>
+              <a:ext uri="{FF2B5EF4-FFF2-40B4-BE49-F238E27FC236}">
+                <a16:creationId xmlns:a16="http://schemas.microsoft.com/office/drawing/2014/main" id="{F740CA31-6573-D157-3947-6DE4326284E9}"/>
+              </a:ext>
+            </a:extLst>
+          </p:cNvPr>
+          <p:cNvSpPr/>
+          <p:nvPr/>
+        </p:nvSpPr>
+        <p:spPr>
+          <a:xfrm>
+            <a:off x="9259555" y="1013485"/>
+            <a:ext cx="1753559" cy="1429587"/>
+          </a:xfrm>
+          <a:custGeom>
+            <a:avLst/>
+            <a:gdLst>
+              <a:gd name="connsiteX0" fmla="*/ 287116 w 1753559"/>
+              <a:gd name="connsiteY0" fmla="*/ 1426902 h 1429587"/>
+              <a:gd name="connsiteX1" fmla="*/ 748511 w 1753559"/>
+              <a:gd name="connsiteY1" fmla="*/ 773 h 1429587"/>
+              <a:gd name="connsiteX2" fmla="*/ 1394463 w 1753559"/>
+              <a:gd name="connsiteY2" fmla="*/ 1217177 h 1429587"/>
+              <a:gd name="connsiteX3" fmla="*/ 1891 w 1753559"/>
+              <a:gd name="connsiteY3" fmla="*/ 546058 h 1429587"/>
+              <a:gd name="connsiteX4" fmla="*/ 1746801 w 1753559"/>
+              <a:gd name="connsiteY4" fmla="*/ 353111 h 1429587"/>
+              <a:gd name="connsiteX5" fmla="*/ 605898 w 1753559"/>
+              <a:gd name="connsiteY5" fmla="*/ 487335 h 1429587"/>
+              <a:gd name="connsiteX6" fmla="*/ 622676 w 1753559"/>
+              <a:gd name="connsiteY6" fmla="*/ 604781 h 1429587"/>
+              <a:gd name="connsiteX7" fmla="*/ 1126016 w 1753559"/>
+              <a:gd name="connsiteY7" fmla="*/ 629948 h 1429587"/>
+              <a:gd name="connsiteX8" fmla="*/ 1176350 w 1753559"/>
+              <a:gd name="connsiteY8" fmla="*/ 940340 h 1429587"/>
+              <a:gd name="connsiteX9" fmla="*/ 706566 w 1753559"/>
+              <a:gd name="connsiteY9" fmla="*/ 797727 h 1429587"/>
+              <a:gd name="connsiteX10" fmla="*/ 857568 w 1753559"/>
+              <a:gd name="connsiteY10" fmla="*/ 571225 h 1429587"/>
+              <a:gd name="connsiteX11" fmla="*/ 1335740 w 1753559"/>
+              <a:gd name="connsiteY11" fmla="*/ 1074564 h 1429587"/>
+              <a:gd name="connsiteX12" fmla="*/ 563953 w 1753559"/>
+              <a:gd name="connsiteY12" fmla="*/ 831283 h 1429587"/>
+              <a:gd name="connsiteX13" fmla="*/ 614287 w 1753559"/>
+              <a:gd name="connsiteY13" fmla="*/ 571225 h 1429587"/>
+              <a:gd name="connsiteX14" fmla="*/ 849179 w 1753559"/>
+              <a:gd name="connsiteY14" fmla="*/ 185331 h 1429587"/>
+              <a:gd name="connsiteX15" fmla="*/ 949847 w 1753559"/>
+              <a:gd name="connsiteY15" fmla="*/ 420223 h 1429587"/>
+              <a:gd name="connsiteX16" fmla="*/ 203227 w 1753559"/>
+              <a:gd name="connsiteY16" fmla="*/ 629948 h 1429587"/>
+              <a:gd name="connsiteX17" fmla="*/ 480063 w 1753559"/>
+              <a:gd name="connsiteY17" fmla="*/ 722226 h 1429587"/>
+              <a:gd name="connsiteX18" fmla="*/ 1092460 w 1753559"/>
+              <a:gd name="connsiteY18" fmla="*/ 537669 h 1429587"/>
+              <a:gd name="connsiteX19" fmla="*/ 1277017 w 1753559"/>
+              <a:gd name="connsiteY19" fmla="*/ 1057786 h 1429587"/>
+              <a:gd name="connsiteX20" fmla="*/ 865957 w 1753559"/>
+              <a:gd name="connsiteY20" fmla="*/ 898395 h 1429587"/>
+              <a:gd name="connsiteX21" fmla="*/ 924680 w 1753559"/>
+              <a:gd name="connsiteY21" fmla="*/ 772560 h 1429587"/>
+              <a:gd name="connsiteX22" fmla="*/ 1151183 w 1753559"/>
+              <a:gd name="connsiteY22" fmla="*/ 923562 h 1429587"/>
+              <a:gd name="connsiteX23" fmla="*/ 1100849 w 1753559"/>
+              <a:gd name="connsiteY23" fmla="*/ 646725 h 1429587"/>
+              <a:gd name="connsiteX24" fmla="*/ 849179 w 1753559"/>
+              <a:gd name="connsiteY24" fmla="*/ 202109 h 1429587"/>
+              <a:gd name="connsiteX25" fmla="*/ 639454 w 1753559"/>
+              <a:gd name="connsiteY25" fmla="*/ 269221 h 1429587"/>
+              <a:gd name="connsiteX26" fmla="*/ 580731 w 1753559"/>
+              <a:gd name="connsiteY26" fmla="*/ 520891 h 1429587"/>
+              <a:gd name="connsiteX27" fmla="*/ 572342 w 1753559"/>
+              <a:gd name="connsiteY27" fmla="*/ 789338 h 1429587"/>
+              <a:gd name="connsiteX28" fmla="*/ 765289 w 1753559"/>
+              <a:gd name="connsiteY28" fmla="*/ 890006 h 1429587"/>
+              <a:gd name="connsiteX29" fmla="*/ 983403 w 1753559"/>
+              <a:gd name="connsiteY29" fmla="*/ 1074564 h 1429587"/>
+              <a:gd name="connsiteX30" fmla="*/ 1285406 w 1753559"/>
+              <a:gd name="connsiteY30" fmla="*/ 1124898 h 1429587"/>
+              <a:gd name="connsiteX31" fmla="*/ 1285406 w 1753559"/>
+              <a:gd name="connsiteY31" fmla="*/ 1124898 h 1429587"/>
+              <a:gd name="connsiteX32" fmla="*/ 815623 w 1753559"/>
+              <a:gd name="connsiteY32" fmla="*/ 512502 h 1429587"/>
+              <a:gd name="connsiteX33" fmla="*/ 1704856 w 1753559"/>
+              <a:gd name="connsiteY33" fmla="*/ 361500 h 1429587"/>
+              <a:gd name="connsiteX34" fmla="*/ 287116 w 1753559"/>
+              <a:gd name="connsiteY34" fmla="*/ 1426902 h 1429587"/>
+            </a:gdLst>
+            <a:ahLst/>
+            <a:cxnLst>
+              <a:cxn ang="0">
+                <a:pos x="connsiteX0" y="connsiteY0"/>
+              </a:cxn>
+              <a:cxn ang="0">
+                <a:pos x="connsiteX1" y="connsiteY1"/>
+              </a:cxn>
+              <a:cxn ang="0">
+                <a:pos x="connsiteX2" y="connsiteY2"/>
+              </a:cxn>
+              <a:cxn ang="0">
+                <a:pos x="connsiteX3" y="connsiteY3"/>
+              </a:cxn>
+              <a:cxn ang="0">
+                <a:pos x="connsiteX4" y="connsiteY4"/>
+              </a:cxn>
+              <a:cxn ang="0">
+                <a:pos x="connsiteX5" y="connsiteY5"/>
+              </a:cxn>
+              <a:cxn ang="0">
+                <a:pos x="connsiteX6" y="connsiteY6"/>
+              </a:cxn>
+              <a:cxn ang="0">
+                <a:pos x="connsiteX7" y="connsiteY7"/>
+              </a:cxn>
+              <a:cxn ang="0">
+                <a:pos x="connsiteX8" y="connsiteY8"/>
+              </a:cxn>
+              <a:cxn ang="0">
+                <a:pos x="connsiteX9" y="connsiteY9"/>
+              </a:cxn>
+              <a:cxn ang="0">
+                <a:pos x="connsiteX10" y="connsiteY10"/>
+              </a:cxn>
+              <a:cxn ang="0">
+                <a:pos x="connsiteX11" y="connsiteY11"/>
+              </a:cxn>
+              <a:cxn ang="0">
+                <a:pos x="connsiteX12" y="connsiteY12"/>
+              </a:cxn>
+              <a:cxn ang="0">
+                <a:pos x="connsiteX13" y="connsiteY13"/>
+              </a:cxn>
+              <a:cxn ang="0">
+                <a:pos x="connsiteX14" y="connsiteY14"/>
+              </a:cxn>
+              <a:cxn ang="0">
+                <a:pos x="connsiteX15" y="connsiteY15"/>
+              </a:cxn>
+              <a:cxn ang="0">
+                <a:pos x="connsiteX16" y="connsiteY16"/>
+              </a:cxn>
+              <a:cxn ang="0">
+                <a:pos x="connsiteX17" y="connsiteY17"/>
+              </a:cxn>
+              <a:cxn ang="0">
+                <a:pos x="connsiteX18" y="connsiteY18"/>
+              </a:cxn>
+              <a:cxn ang="0">
+                <a:pos x="connsiteX19" y="connsiteY19"/>
+              </a:cxn>
+              <a:cxn ang="0">
+                <a:pos x="connsiteX20" y="connsiteY20"/>
+              </a:cxn>
+              <a:cxn ang="0">
+                <a:pos x="connsiteX21" y="connsiteY21"/>
+              </a:cxn>
+              <a:cxn ang="0">
+                <a:pos x="connsiteX22" y="connsiteY22"/>
+              </a:cxn>
+              <a:cxn ang="0">
+                <a:pos x="connsiteX23" y="connsiteY23"/>
+              </a:cxn>
+              <a:cxn ang="0">
+                <a:pos x="connsiteX24" y="connsiteY24"/>
+              </a:cxn>
+              <a:cxn ang="0">
+                <a:pos x="connsiteX25" y="connsiteY25"/>
+              </a:cxn>
+              <a:cxn ang="0">
+                <a:pos x="connsiteX26" y="connsiteY26"/>
+              </a:cxn>
+              <a:cxn ang="0">
+                <a:pos x="connsiteX27" y="connsiteY27"/>
+              </a:cxn>
+              <a:cxn ang="0">
+                <a:pos x="connsiteX28" y="connsiteY28"/>
+              </a:cxn>
+              <a:cxn ang="0">
+                <a:pos x="connsiteX29" y="connsiteY29"/>
+              </a:cxn>
+              <a:cxn ang="0">
+                <a:pos x="connsiteX30" y="connsiteY30"/>
+              </a:cxn>
+              <a:cxn ang="0">
+                <a:pos x="connsiteX31" y="connsiteY31"/>
+              </a:cxn>
+              <a:cxn ang="0">
+                <a:pos x="connsiteX32" y="connsiteY32"/>
+              </a:cxn>
+              <a:cxn ang="0">
+                <a:pos x="connsiteX33" y="connsiteY33"/>
+              </a:cxn>
+              <a:cxn ang="0">
+                <a:pos x="connsiteX34" y="connsiteY34"/>
+              </a:cxn>
+            </a:cxnLst>
+            <a:rect l="l" t="t" r="r" b="b"/>
+            <a:pathLst>
+              <a:path w="1753559" h="1429587">
+                <a:moveTo>
+                  <a:pt x="287116" y="1426902"/>
+                </a:moveTo>
+                <a:cubicBezTo>
+                  <a:pt x="127725" y="1366781"/>
+                  <a:pt x="563953" y="35727"/>
+                  <a:pt x="748511" y="773"/>
+                </a:cubicBezTo>
+                <a:cubicBezTo>
+                  <a:pt x="933069" y="-34181"/>
+                  <a:pt x="1518900" y="1126296"/>
+                  <a:pt x="1394463" y="1217177"/>
+                </a:cubicBezTo>
+                <a:cubicBezTo>
+                  <a:pt x="1270026" y="1308058"/>
+                  <a:pt x="-56832" y="690069"/>
+                  <a:pt x="1891" y="546058"/>
+                </a:cubicBezTo>
+                <a:cubicBezTo>
+                  <a:pt x="60614" y="402047"/>
+                  <a:pt x="1646133" y="362898"/>
+                  <a:pt x="1746801" y="353111"/>
+                </a:cubicBezTo>
+                <a:cubicBezTo>
+                  <a:pt x="1847469" y="343324"/>
+                  <a:pt x="793252" y="445390"/>
+                  <a:pt x="605898" y="487335"/>
+                </a:cubicBezTo>
+                <a:cubicBezTo>
+                  <a:pt x="418544" y="529280"/>
+                  <a:pt x="535990" y="581012"/>
+                  <a:pt x="622676" y="604781"/>
+                </a:cubicBezTo>
+                <a:cubicBezTo>
+                  <a:pt x="709362" y="628550"/>
+                  <a:pt x="1033737" y="574022"/>
+                  <a:pt x="1126016" y="629948"/>
+                </a:cubicBezTo>
+                <a:cubicBezTo>
+                  <a:pt x="1218295" y="685874"/>
+                  <a:pt x="1246258" y="912377"/>
+                  <a:pt x="1176350" y="940340"/>
+                </a:cubicBezTo>
+                <a:cubicBezTo>
+                  <a:pt x="1106442" y="968303"/>
+                  <a:pt x="759696" y="859246"/>
+                  <a:pt x="706566" y="797727"/>
+                </a:cubicBezTo>
+                <a:cubicBezTo>
+                  <a:pt x="653436" y="736208"/>
+                  <a:pt x="752706" y="525086"/>
+                  <a:pt x="857568" y="571225"/>
+                </a:cubicBezTo>
+                <a:cubicBezTo>
+                  <a:pt x="962430" y="617364"/>
+                  <a:pt x="1384676" y="1031221"/>
+                  <a:pt x="1335740" y="1074564"/>
+                </a:cubicBezTo>
+                <a:cubicBezTo>
+                  <a:pt x="1286804" y="1117907"/>
+                  <a:pt x="684195" y="915173"/>
+                  <a:pt x="563953" y="831283"/>
+                </a:cubicBezTo>
+                <a:cubicBezTo>
+                  <a:pt x="443711" y="747393"/>
+                  <a:pt x="566749" y="678884"/>
+                  <a:pt x="614287" y="571225"/>
+                </a:cubicBezTo>
+                <a:cubicBezTo>
+                  <a:pt x="661825" y="463566"/>
+                  <a:pt x="793252" y="210498"/>
+                  <a:pt x="849179" y="185331"/>
+                </a:cubicBezTo>
+                <a:cubicBezTo>
+                  <a:pt x="905106" y="160164"/>
+                  <a:pt x="1057506" y="346120"/>
+                  <a:pt x="949847" y="420223"/>
+                </a:cubicBezTo>
+                <a:cubicBezTo>
+                  <a:pt x="842188" y="494326"/>
+                  <a:pt x="281524" y="579614"/>
+                  <a:pt x="203227" y="629948"/>
+                </a:cubicBezTo>
+                <a:cubicBezTo>
+                  <a:pt x="124930" y="680282"/>
+                  <a:pt x="331858" y="737606"/>
+                  <a:pt x="480063" y="722226"/>
+                </a:cubicBezTo>
+                <a:cubicBezTo>
+                  <a:pt x="628269" y="706846"/>
+                  <a:pt x="959634" y="481742"/>
+                  <a:pt x="1092460" y="537669"/>
+                </a:cubicBezTo>
+                <a:cubicBezTo>
+                  <a:pt x="1225286" y="593596"/>
+                  <a:pt x="1314767" y="997665"/>
+                  <a:pt x="1277017" y="1057786"/>
+                </a:cubicBezTo>
+                <a:cubicBezTo>
+                  <a:pt x="1239267" y="1117907"/>
+                  <a:pt x="924680" y="945933"/>
+                  <a:pt x="865957" y="898395"/>
+                </a:cubicBezTo>
+                <a:cubicBezTo>
+                  <a:pt x="807234" y="850857"/>
+                  <a:pt x="877142" y="768365"/>
+                  <a:pt x="924680" y="772560"/>
+                </a:cubicBezTo>
+                <a:cubicBezTo>
+                  <a:pt x="972218" y="776754"/>
+                  <a:pt x="1121822" y="944534"/>
+                  <a:pt x="1151183" y="923562"/>
+                </a:cubicBezTo>
+                <a:cubicBezTo>
+                  <a:pt x="1180544" y="902590"/>
+                  <a:pt x="1151183" y="766967"/>
+                  <a:pt x="1100849" y="646725"/>
+                </a:cubicBezTo>
+                <a:cubicBezTo>
+                  <a:pt x="1050515" y="526483"/>
+                  <a:pt x="926078" y="265026"/>
+                  <a:pt x="849179" y="202109"/>
+                </a:cubicBezTo>
+                <a:cubicBezTo>
+                  <a:pt x="772280" y="139192"/>
+                  <a:pt x="684195" y="216091"/>
+                  <a:pt x="639454" y="269221"/>
+                </a:cubicBezTo>
+                <a:cubicBezTo>
+                  <a:pt x="594713" y="322351"/>
+                  <a:pt x="591916" y="434205"/>
+                  <a:pt x="580731" y="520891"/>
+                </a:cubicBezTo>
+                <a:cubicBezTo>
+                  <a:pt x="569546" y="607577"/>
+                  <a:pt x="541582" y="727819"/>
+                  <a:pt x="572342" y="789338"/>
+                </a:cubicBezTo>
+                <a:cubicBezTo>
+                  <a:pt x="603102" y="850857"/>
+                  <a:pt x="696779" y="842468"/>
+                  <a:pt x="765289" y="890006"/>
+                </a:cubicBezTo>
+                <a:cubicBezTo>
+                  <a:pt x="833799" y="937544"/>
+                  <a:pt x="896717" y="1035415"/>
+                  <a:pt x="983403" y="1074564"/>
+                </a:cubicBezTo>
+                <a:cubicBezTo>
+                  <a:pt x="1070089" y="1113713"/>
+                  <a:pt x="1285406" y="1124898"/>
+                  <a:pt x="1285406" y="1124898"/>
+                </a:cubicBezTo>
+                <a:lnTo>
+                  <a:pt x="1285406" y="1124898"/>
+                </a:lnTo>
+                <a:cubicBezTo>
+                  <a:pt x="1207109" y="1022832"/>
+                  <a:pt x="745715" y="639735"/>
+                  <a:pt x="815623" y="512502"/>
+                </a:cubicBezTo>
+                <a:cubicBezTo>
+                  <a:pt x="885531" y="385269"/>
+                  <a:pt x="1792940" y="203507"/>
+                  <a:pt x="1704856" y="361500"/>
+                </a:cubicBezTo>
+                <a:cubicBezTo>
+                  <a:pt x="1616772" y="519493"/>
+                  <a:pt x="446507" y="1487023"/>
+                  <a:pt x="287116" y="1426902"/>
+                </a:cubicBezTo>
+                <a:close/>
+              </a:path>
+            </a:pathLst>
+          </a:custGeom>
+        </p:spPr>
+        <p:style>
+          <a:lnRef idx="2">
+            <a:schemeClr val="accent1">
+              <a:shade val="50000"/>
+            </a:schemeClr>
+          </a:lnRef>
+          <a:fillRef idx="1">
+            <a:schemeClr val="accent1"/>
+          </a:fillRef>
+          <a:effectRef idx="0">
+            <a:schemeClr val="accent1"/>
+          </a:effectRef>
+          <a:fontRef idx="minor">
+            <a:schemeClr val="lt1"/>
+          </a:fontRef>
+        </p:style>
+        <p:txBody>
+          <a:bodyPr rtlCol="0" anchor="ctr"/>
+          <a:lstStyle/>
+          <a:p>
+            <a:pPr algn="ctr"/>
+            <a:endParaRPr lang="en-NZ"/>
+          </a:p>
+        </p:txBody>
+      </p:sp>
+      <p:sp>
+        <p:nvSpPr>
+          <p:cNvPr id="26" name="Freeform: Shape 25">
+            <a:extLst>
+              <a:ext uri="{FF2B5EF4-FFF2-40B4-BE49-F238E27FC236}">
+                <a16:creationId xmlns:a16="http://schemas.microsoft.com/office/drawing/2014/main" id="{5238A27E-FE79-50A4-6912-6CB05D9B1119}"/>
+              </a:ext>
+            </a:extLst>
+          </p:cNvPr>
+          <p:cNvSpPr/>
+          <p:nvPr/>
+        </p:nvSpPr>
+        <p:spPr>
+          <a:xfrm>
+            <a:off x="9738360" y="4078377"/>
+            <a:ext cx="1753559" cy="1429587"/>
+          </a:xfrm>
+          <a:custGeom>
+            <a:avLst/>
+            <a:gdLst>
+              <a:gd name="connsiteX0" fmla="*/ 287116 w 1753559"/>
+              <a:gd name="connsiteY0" fmla="*/ 1426902 h 1429587"/>
+              <a:gd name="connsiteX1" fmla="*/ 748511 w 1753559"/>
+              <a:gd name="connsiteY1" fmla="*/ 773 h 1429587"/>
+              <a:gd name="connsiteX2" fmla="*/ 1394463 w 1753559"/>
+              <a:gd name="connsiteY2" fmla="*/ 1217177 h 1429587"/>
+              <a:gd name="connsiteX3" fmla="*/ 1891 w 1753559"/>
+              <a:gd name="connsiteY3" fmla="*/ 546058 h 1429587"/>
+              <a:gd name="connsiteX4" fmla="*/ 1746801 w 1753559"/>
+              <a:gd name="connsiteY4" fmla="*/ 353111 h 1429587"/>
+              <a:gd name="connsiteX5" fmla="*/ 605898 w 1753559"/>
+              <a:gd name="connsiteY5" fmla="*/ 487335 h 1429587"/>
+              <a:gd name="connsiteX6" fmla="*/ 622676 w 1753559"/>
+              <a:gd name="connsiteY6" fmla="*/ 604781 h 1429587"/>
+              <a:gd name="connsiteX7" fmla="*/ 1126016 w 1753559"/>
+              <a:gd name="connsiteY7" fmla="*/ 629948 h 1429587"/>
+              <a:gd name="connsiteX8" fmla="*/ 1176350 w 1753559"/>
+              <a:gd name="connsiteY8" fmla="*/ 940340 h 1429587"/>
+              <a:gd name="connsiteX9" fmla="*/ 706566 w 1753559"/>
+              <a:gd name="connsiteY9" fmla="*/ 797727 h 1429587"/>
+              <a:gd name="connsiteX10" fmla="*/ 857568 w 1753559"/>
+              <a:gd name="connsiteY10" fmla="*/ 571225 h 1429587"/>
+              <a:gd name="connsiteX11" fmla="*/ 1335740 w 1753559"/>
+              <a:gd name="connsiteY11" fmla="*/ 1074564 h 1429587"/>
+              <a:gd name="connsiteX12" fmla="*/ 563953 w 1753559"/>
+              <a:gd name="connsiteY12" fmla="*/ 831283 h 1429587"/>
+              <a:gd name="connsiteX13" fmla="*/ 614287 w 1753559"/>
+              <a:gd name="connsiteY13" fmla="*/ 571225 h 1429587"/>
+              <a:gd name="connsiteX14" fmla="*/ 849179 w 1753559"/>
+              <a:gd name="connsiteY14" fmla="*/ 185331 h 1429587"/>
+              <a:gd name="connsiteX15" fmla="*/ 949847 w 1753559"/>
+              <a:gd name="connsiteY15" fmla="*/ 420223 h 1429587"/>
+              <a:gd name="connsiteX16" fmla="*/ 203227 w 1753559"/>
+              <a:gd name="connsiteY16" fmla="*/ 629948 h 1429587"/>
+              <a:gd name="connsiteX17" fmla="*/ 480063 w 1753559"/>
+              <a:gd name="connsiteY17" fmla="*/ 722226 h 1429587"/>
+              <a:gd name="connsiteX18" fmla="*/ 1092460 w 1753559"/>
+              <a:gd name="connsiteY18" fmla="*/ 537669 h 1429587"/>
+              <a:gd name="connsiteX19" fmla="*/ 1277017 w 1753559"/>
+              <a:gd name="connsiteY19" fmla="*/ 1057786 h 1429587"/>
+              <a:gd name="connsiteX20" fmla="*/ 865957 w 1753559"/>
+              <a:gd name="connsiteY20" fmla="*/ 898395 h 1429587"/>
+              <a:gd name="connsiteX21" fmla="*/ 924680 w 1753559"/>
+              <a:gd name="connsiteY21" fmla="*/ 772560 h 1429587"/>
+              <a:gd name="connsiteX22" fmla="*/ 1151183 w 1753559"/>
+              <a:gd name="connsiteY22" fmla="*/ 923562 h 1429587"/>
+              <a:gd name="connsiteX23" fmla="*/ 1100849 w 1753559"/>
+              <a:gd name="connsiteY23" fmla="*/ 646725 h 1429587"/>
+              <a:gd name="connsiteX24" fmla="*/ 849179 w 1753559"/>
+              <a:gd name="connsiteY24" fmla="*/ 202109 h 1429587"/>
+              <a:gd name="connsiteX25" fmla="*/ 639454 w 1753559"/>
+              <a:gd name="connsiteY25" fmla="*/ 269221 h 1429587"/>
+              <a:gd name="connsiteX26" fmla="*/ 580731 w 1753559"/>
+              <a:gd name="connsiteY26" fmla="*/ 520891 h 1429587"/>
+              <a:gd name="connsiteX27" fmla="*/ 572342 w 1753559"/>
+              <a:gd name="connsiteY27" fmla="*/ 789338 h 1429587"/>
+              <a:gd name="connsiteX28" fmla="*/ 765289 w 1753559"/>
+              <a:gd name="connsiteY28" fmla="*/ 890006 h 1429587"/>
+              <a:gd name="connsiteX29" fmla="*/ 983403 w 1753559"/>
+              <a:gd name="connsiteY29" fmla="*/ 1074564 h 1429587"/>
+              <a:gd name="connsiteX30" fmla="*/ 1285406 w 1753559"/>
+              <a:gd name="connsiteY30" fmla="*/ 1124898 h 1429587"/>
+              <a:gd name="connsiteX31" fmla="*/ 1285406 w 1753559"/>
+              <a:gd name="connsiteY31" fmla="*/ 1124898 h 1429587"/>
+              <a:gd name="connsiteX32" fmla="*/ 815623 w 1753559"/>
+              <a:gd name="connsiteY32" fmla="*/ 512502 h 1429587"/>
+              <a:gd name="connsiteX33" fmla="*/ 1704856 w 1753559"/>
+              <a:gd name="connsiteY33" fmla="*/ 361500 h 1429587"/>
+              <a:gd name="connsiteX34" fmla="*/ 287116 w 1753559"/>
+              <a:gd name="connsiteY34" fmla="*/ 1426902 h 1429587"/>
+            </a:gdLst>
+            <a:ahLst/>
+            <a:cxnLst>
+              <a:cxn ang="0">
+                <a:pos x="connsiteX0" y="connsiteY0"/>
+              </a:cxn>
+              <a:cxn ang="0">
+                <a:pos x="connsiteX1" y="connsiteY1"/>
+              </a:cxn>
+              <a:cxn ang="0">
+                <a:pos x="connsiteX2" y="connsiteY2"/>
+              </a:cxn>
+              <a:cxn ang="0">
+                <a:pos x="connsiteX3" y="connsiteY3"/>
+              </a:cxn>
+              <a:cxn ang="0">
+                <a:pos x="connsiteX4" y="connsiteY4"/>
+              </a:cxn>
+              <a:cxn ang="0">
+                <a:pos x="connsiteX5" y="connsiteY5"/>
+              </a:cxn>
+              <a:cxn ang="0">
+                <a:pos x="connsiteX6" y="connsiteY6"/>
+              </a:cxn>
+              <a:cxn ang="0">
+                <a:pos x="connsiteX7" y="connsiteY7"/>
+              </a:cxn>
+              <a:cxn ang="0">
+                <a:pos x="connsiteX8" y="connsiteY8"/>
+              </a:cxn>
+              <a:cxn ang="0">
+                <a:pos x="connsiteX9" y="connsiteY9"/>
+              </a:cxn>
+              <a:cxn ang="0">
+                <a:pos x="connsiteX10" y="connsiteY10"/>
+              </a:cxn>
+              <a:cxn ang="0">
+                <a:pos x="connsiteX11" y="connsiteY11"/>
+              </a:cxn>
+              <a:cxn ang="0">
+                <a:pos x="connsiteX12" y="connsiteY12"/>
+              </a:cxn>
+              <a:cxn ang="0">
+                <a:pos x="connsiteX13" y="connsiteY13"/>
+              </a:cxn>
+              <a:cxn ang="0">
+                <a:pos x="connsiteX14" y="connsiteY14"/>
+              </a:cxn>
+              <a:cxn ang="0">
+                <a:pos x="connsiteX15" y="connsiteY15"/>
+              </a:cxn>
+              <a:cxn ang="0">
+                <a:pos x="connsiteX16" y="connsiteY16"/>
+              </a:cxn>
+              <a:cxn ang="0">
+                <a:pos x="connsiteX17" y="connsiteY17"/>
+              </a:cxn>
+              <a:cxn ang="0">
+                <a:pos x="connsiteX18" y="connsiteY18"/>
+              </a:cxn>
+              <a:cxn ang="0">
+                <a:pos x="connsiteX19" y="connsiteY19"/>
+              </a:cxn>
+              <a:cxn ang="0">
+                <a:pos x="connsiteX20" y="connsiteY20"/>
+              </a:cxn>
+              <a:cxn ang="0">
+                <a:pos x="connsiteX21" y="connsiteY21"/>
+              </a:cxn>
+              <a:cxn ang="0">
+                <a:pos x="connsiteX22" y="connsiteY22"/>
+              </a:cxn>
+              <a:cxn ang="0">
+                <a:pos x="connsiteX23" y="connsiteY23"/>
+              </a:cxn>
+              <a:cxn ang="0">
+                <a:pos x="connsiteX24" y="connsiteY24"/>
+              </a:cxn>
+              <a:cxn ang="0">
+                <a:pos x="connsiteX25" y="connsiteY25"/>
+              </a:cxn>
+              <a:cxn ang="0">
+                <a:pos x="connsiteX26" y="connsiteY26"/>
+              </a:cxn>
+              <a:cxn ang="0">
+                <a:pos x="connsiteX27" y="connsiteY27"/>
+              </a:cxn>
+              <a:cxn ang="0">
+                <a:pos x="connsiteX28" y="connsiteY28"/>
+              </a:cxn>
+              <a:cxn ang="0">
+                <a:pos x="connsiteX29" y="connsiteY29"/>
+              </a:cxn>
+              <a:cxn ang="0">
+                <a:pos x="connsiteX30" y="connsiteY30"/>
+              </a:cxn>
+              <a:cxn ang="0">
+                <a:pos x="connsiteX31" y="connsiteY31"/>
+              </a:cxn>
+              <a:cxn ang="0">
+                <a:pos x="connsiteX32" y="connsiteY32"/>
+              </a:cxn>
+              <a:cxn ang="0">
+                <a:pos x="connsiteX33" y="connsiteY33"/>
+              </a:cxn>
+              <a:cxn ang="0">
+                <a:pos x="connsiteX34" y="connsiteY34"/>
+              </a:cxn>
+            </a:cxnLst>
+            <a:rect l="l" t="t" r="r" b="b"/>
+            <a:pathLst>
+              <a:path w="1753559" h="1429587">
+                <a:moveTo>
+                  <a:pt x="287116" y="1426902"/>
+                </a:moveTo>
+                <a:cubicBezTo>
+                  <a:pt x="127725" y="1366781"/>
+                  <a:pt x="563953" y="35727"/>
+                  <a:pt x="748511" y="773"/>
+                </a:cubicBezTo>
+                <a:cubicBezTo>
+                  <a:pt x="933069" y="-34181"/>
+                  <a:pt x="1518900" y="1126296"/>
+                  <a:pt x="1394463" y="1217177"/>
+                </a:cubicBezTo>
+                <a:cubicBezTo>
+                  <a:pt x="1270026" y="1308058"/>
+                  <a:pt x="-56832" y="690069"/>
+                  <a:pt x="1891" y="546058"/>
+                </a:cubicBezTo>
+                <a:cubicBezTo>
+                  <a:pt x="60614" y="402047"/>
+                  <a:pt x="1646133" y="362898"/>
+                  <a:pt x="1746801" y="353111"/>
+                </a:cubicBezTo>
+                <a:cubicBezTo>
+                  <a:pt x="1847469" y="343324"/>
+                  <a:pt x="793252" y="445390"/>
+                  <a:pt x="605898" y="487335"/>
+                </a:cubicBezTo>
+                <a:cubicBezTo>
+                  <a:pt x="418544" y="529280"/>
+                  <a:pt x="535990" y="581012"/>
+                  <a:pt x="622676" y="604781"/>
+                </a:cubicBezTo>
+                <a:cubicBezTo>
+                  <a:pt x="709362" y="628550"/>
+                  <a:pt x="1033737" y="574022"/>
+                  <a:pt x="1126016" y="629948"/>
+                </a:cubicBezTo>
+                <a:cubicBezTo>
+                  <a:pt x="1218295" y="685874"/>
+                  <a:pt x="1246258" y="912377"/>
+                  <a:pt x="1176350" y="940340"/>
+                </a:cubicBezTo>
+                <a:cubicBezTo>
+                  <a:pt x="1106442" y="968303"/>
+                  <a:pt x="759696" y="859246"/>
+                  <a:pt x="706566" y="797727"/>
+                </a:cubicBezTo>
+                <a:cubicBezTo>
+                  <a:pt x="653436" y="736208"/>
+                  <a:pt x="752706" y="525086"/>
+                  <a:pt x="857568" y="571225"/>
+                </a:cubicBezTo>
+                <a:cubicBezTo>
+                  <a:pt x="962430" y="617364"/>
+                  <a:pt x="1384676" y="1031221"/>
+                  <a:pt x="1335740" y="1074564"/>
+                </a:cubicBezTo>
+                <a:cubicBezTo>
+                  <a:pt x="1286804" y="1117907"/>
+                  <a:pt x="684195" y="915173"/>
+                  <a:pt x="563953" y="831283"/>
+                </a:cubicBezTo>
+                <a:cubicBezTo>
+                  <a:pt x="443711" y="747393"/>
+                  <a:pt x="566749" y="678884"/>
+                  <a:pt x="614287" y="571225"/>
+                </a:cubicBezTo>
+                <a:cubicBezTo>
+                  <a:pt x="661825" y="463566"/>
+                  <a:pt x="793252" y="210498"/>
+                  <a:pt x="849179" y="185331"/>
+                </a:cubicBezTo>
+                <a:cubicBezTo>
+                  <a:pt x="905106" y="160164"/>
+                  <a:pt x="1057506" y="346120"/>
+                  <a:pt x="949847" y="420223"/>
+                </a:cubicBezTo>
+                <a:cubicBezTo>
+                  <a:pt x="842188" y="494326"/>
+                  <a:pt x="281524" y="579614"/>
+                  <a:pt x="203227" y="629948"/>
+                </a:cubicBezTo>
+                <a:cubicBezTo>
+                  <a:pt x="124930" y="680282"/>
+                  <a:pt x="331858" y="737606"/>
+                  <a:pt x="480063" y="722226"/>
+                </a:cubicBezTo>
+                <a:cubicBezTo>
+                  <a:pt x="628269" y="706846"/>
+                  <a:pt x="959634" y="481742"/>
+                  <a:pt x="1092460" y="537669"/>
+                </a:cubicBezTo>
+                <a:cubicBezTo>
+                  <a:pt x="1225286" y="593596"/>
+                  <a:pt x="1314767" y="997665"/>
+                  <a:pt x="1277017" y="1057786"/>
+                </a:cubicBezTo>
+                <a:cubicBezTo>
+                  <a:pt x="1239267" y="1117907"/>
+                  <a:pt x="924680" y="945933"/>
+                  <a:pt x="865957" y="898395"/>
+                </a:cubicBezTo>
+                <a:cubicBezTo>
+                  <a:pt x="807234" y="850857"/>
+                  <a:pt x="877142" y="768365"/>
+                  <a:pt x="924680" y="772560"/>
+                </a:cubicBezTo>
+                <a:cubicBezTo>
+                  <a:pt x="972218" y="776754"/>
+                  <a:pt x="1121822" y="944534"/>
+                  <a:pt x="1151183" y="923562"/>
+                </a:cubicBezTo>
+                <a:cubicBezTo>
+                  <a:pt x="1180544" y="902590"/>
+                  <a:pt x="1151183" y="766967"/>
+                  <a:pt x="1100849" y="646725"/>
+                </a:cubicBezTo>
+                <a:cubicBezTo>
+                  <a:pt x="1050515" y="526483"/>
+                  <a:pt x="926078" y="265026"/>
+                  <a:pt x="849179" y="202109"/>
+                </a:cubicBezTo>
+                <a:cubicBezTo>
+                  <a:pt x="772280" y="139192"/>
+                  <a:pt x="684195" y="216091"/>
+                  <a:pt x="639454" y="269221"/>
+                </a:cubicBezTo>
+                <a:cubicBezTo>
+                  <a:pt x="594713" y="322351"/>
+                  <a:pt x="591916" y="434205"/>
+                  <a:pt x="580731" y="520891"/>
+                </a:cubicBezTo>
+                <a:cubicBezTo>
+                  <a:pt x="569546" y="607577"/>
+                  <a:pt x="541582" y="727819"/>
+                  <a:pt x="572342" y="789338"/>
+                </a:cubicBezTo>
+                <a:cubicBezTo>
+                  <a:pt x="603102" y="850857"/>
+                  <a:pt x="696779" y="842468"/>
+                  <a:pt x="765289" y="890006"/>
+                </a:cubicBezTo>
+                <a:cubicBezTo>
+                  <a:pt x="833799" y="937544"/>
+                  <a:pt x="896717" y="1035415"/>
+                  <a:pt x="983403" y="1074564"/>
+                </a:cubicBezTo>
+                <a:cubicBezTo>
+                  <a:pt x="1070089" y="1113713"/>
+                  <a:pt x="1285406" y="1124898"/>
+                  <a:pt x="1285406" y="1124898"/>
+                </a:cubicBezTo>
+                <a:lnTo>
+                  <a:pt x="1285406" y="1124898"/>
+                </a:lnTo>
+                <a:cubicBezTo>
+                  <a:pt x="1207109" y="1022832"/>
+                  <a:pt x="745715" y="639735"/>
+                  <a:pt x="815623" y="512502"/>
+                </a:cubicBezTo>
+                <a:cubicBezTo>
+                  <a:pt x="885531" y="385269"/>
+                  <a:pt x="1792940" y="203507"/>
+                  <a:pt x="1704856" y="361500"/>
+                </a:cubicBezTo>
+                <a:cubicBezTo>
+                  <a:pt x="1616772" y="519493"/>
+                  <a:pt x="446507" y="1487023"/>
+                  <a:pt x="287116" y="1426902"/>
+                </a:cubicBezTo>
+                <a:close/>
+              </a:path>
+            </a:pathLst>
+          </a:custGeom>
+        </p:spPr>
+        <p:style>
+          <a:lnRef idx="2">
+            <a:schemeClr val="accent1">
+              <a:shade val="50000"/>
+            </a:schemeClr>
+          </a:lnRef>
+          <a:fillRef idx="1">
+            <a:schemeClr val="accent1"/>
+          </a:fillRef>
+          <a:effectRef idx="0">
+            <a:schemeClr val="accent1"/>
+          </a:effectRef>
+          <a:fontRef idx="minor">
+            <a:schemeClr val="lt1"/>
+          </a:fontRef>
+        </p:style>
+        <p:txBody>
+          <a:bodyPr rtlCol="0" anchor="ctr"/>
+          <a:lstStyle/>
+          <a:p>
+            <a:pPr algn="ctr"/>
+            <a:endParaRPr lang="en-NZ"/>
+          </a:p>
+        </p:txBody>
+      </p:sp>
+      <p:sp>
+        <p:nvSpPr>
+          <p:cNvPr id="27" name="Freeform: Shape 26">
+            <a:extLst>
+              <a:ext uri="{FF2B5EF4-FFF2-40B4-BE49-F238E27FC236}">
+                <a16:creationId xmlns:a16="http://schemas.microsoft.com/office/drawing/2014/main" id="{F70CC281-018D-C66A-9765-CDE498662B83}"/>
+              </a:ext>
+            </a:extLst>
+          </p:cNvPr>
+          <p:cNvSpPr/>
+          <p:nvPr/>
+        </p:nvSpPr>
+        <p:spPr>
+          <a:xfrm>
+            <a:off x="6293313" y="2645907"/>
+            <a:ext cx="1753559" cy="1429587"/>
+          </a:xfrm>
+          <a:custGeom>
+            <a:avLst/>
+            <a:gdLst>
+              <a:gd name="connsiteX0" fmla="*/ 287116 w 1753559"/>
+              <a:gd name="connsiteY0" fmla="*/ 1426902 h 1429587"/>
+              <a:gd name="connsiteX1" fmla="*/ 748511 w 1753559"/>
+              <a:gd name="connsiteY1" fmla="*/ 773 h 1429587"/>
+              <a:gd name="connsiteX2" fmla="*/ 1394463 w 1753559"/>
+              <a:gd name="connsiteY2" fmla="*/ 1217177 h 1429587"/>
+              <a:gd name="connsiteX3" fmla="*/ 1891 w 1753559"/>
+              <a:gd name="connsiteY3" fmla="*/ 546058 h 1429587"/>
+              <a:gd name="connsiteX4" fmla="*/ 1746801 w 1753559"/>
+              <a:gd name="connsiteY4" fmla="*/ 353111 h 1429587"/>
+              <a:gd name="connsiteX5" fmla="*/ 605898 w 1753559"/>
+              <a:gd name="connsiteY5" fmla="*/ 487335 h 1429587"/>
+              <a:gd name="connsiteX6" fmla="*/ 622676 w 1753559"/>
+              <a:gd name="connsiteY6" fmla="*/ 604781 h 1429587"/>
+              <a:gd name="connsiteX7" fmla="*/ 1126016 w 1753559"/>
+              <a:gd name="connsiteY7" fmla="*/ 629948 h 1429587"/>
+              <a:gd name="connsiteX8" fmla="*/ 1176350 w 1753559"/>
+              <a:gd name="connsiteY8" fmla="*/ 940340 h 1429587"/>
+              <a:gd name="connsiteX9" fmla="*/ 706566 w 1753559"/>
+              <a:gd name="connsiteY9" fmla="*/ 797727 h 1429587"/>
+              <a:gd name="connsiteX10" fmla="*/ 857568 w 1753559"/>
+              <a:gd name="connsiteY10" fmla="*/ 571225 h 1429587"/>
+              <a:gd name="connsiteX11" fmla="*/ 1335740 w 1753559"/>
+              <a:gd name="connsiteY11" fmla="*/ 1074564 h 1429587"/>
+              <a:gd name="connsiteX12" fmla="*/ 563953 w 1753559"/>
+              <a:gd name="connsiteY12" fmla="*/ 831283 h 1429587"/>
+              <a:gd name="connsiteX13" fmla="*/ 614287 w 1753559"/>
+              <a:gd name="connsiteY13" fmla="*/ 571225 h 1429587"/>
+              <a:gd name="connsiteX14" fmla="*/ 849179 w 1753559"/>
+              <a:gd name="connsiteY14" fmla="*/ 185331 h 1429587"/>
+              <a:gd name="connsiteX15" fmla="*/ 949847 w 1753559"/>
+              <a:gd name="connsiteY15" fmla="*/ 420223 h 1429587"/>
+              <a:gd name="connsiteX16" fmla="*/ 203227 w 1753559"/>
+              <a:gd name="connsiteY16" fmla="*/ 629948 h 1429587"/>
+              <a:gd name="connsiteX17" fmla="*/ 480063 w 1753559"/>
+              <a:gd name="connsiteY17" fmla="*/ 722226 h 1429587"/>
+              <a:gd name="connsiteX18" fmla="*/ 1092460 w 1753559"/>
+              <a:gd name="connsiteY18" fmla="*/ 537669 h 1429587"/>
+              <a:gd name="connsiteX19" fmla="*/ 1277017 w 1753559"/>
+              <a:gd name="connsiteY19" fmla="*/ 1057786 h 1429587"/>
+              <a:gd name="connsiteX20" fmla="*/ 865957 w 1753559"/>
+              <a:gd name="connsiteY20" fmla="*/ 898395 h 1429587"/>
+              <a:gd name="connsiteX21" fmla="*/ 924680 w 1753559"/>
+              <a:gd name="connsiteY21" fmla="*/ 772560 h 1429587"/>
+              <a:gd name="connsiteX22" fmla="*/ 1151183 w 1753559"/>
+              <a:gd name="connsiteY22" fmla="*/ 923562 h 1429587"/>
+              <a:gd name="connsiteX23" fmla="*/ 1100849 w 1753559"/>
+              <a:gd name="connsiteY23" fmla="*/ 646725 h 1429587"/>
+              <a:gd name="connsiteX24" fmla="*/ 849179 w 1753559"/>
+              <a:gd name="connsiteY24" fmla="*/ 202109 h 1429587"/>
+              <a:gd name="connsiteX25" fmla="*/ 639454 w 1753559"/>
+              <a:gd name="connsiteY25" fmla="*/ 269221 h 1429587"/>
+              <a:gd name="connsiteX26" fmla="*/ 580731 w 1753559"/>
+              <a:gd name="connsiteY26" fmla="*/ 520891 h 1429587"/>
+              <a:gd name="connsiteX27" fmla="*/ 572342 w 1753559"/>
+              <a:gd name="connsiteY27" fmla="*/ 789338 h 1429587"/>
+              <a:gd name="connsiteX28" fmla="*/ 765289 w 1753559"/>
+              <a:gd name="connsiteY28" fmla="*/ 890006 h 1429587"/>
+              <a:gd name="connsiteX29" fmla="*/ 983403 w 1753559"/>
+              <a:gd name="connsiteY29" fmla="*/ 1074564 h 1429587"/>
+              <a:gd name="connsiteX30" fmla="*/ 1285406 w 1753559"/>
+              <a:gd name="connsiteY30" fmla="*/ 1124898 h 1429587"/>
+              <a:gd name="connsiteX31" fmla="*/ 1285406 w 1753559"/>
+              <a:gd name="connsiteY31" fmla="*/ 1124898 h 1429587"/>
+              <a:gd name="connsiteX32" fmla="*/ 815623 w 1753559"/>
+              <a:gd name="connsiteY32" fmla="*/ 512502 h 1429587"/>
+              <a:gd name="connsiteX33" fmla="*/ 1704856 w 1753559"/>
+              <a:gd name="connsiteY33" fmla="*/ 361500 h 1429587"/>
+              <a:gd name="connsiteX34" fmla="*/ 287116 w 1753559"/>
+              <a:gd name="connsiteY34" fmla="*/ 1426902 h 1429587"/>
+            </a:gdLst>
+            <a:ahLst/>
+            <a:cxnLst>
+              <a:cxn ang="0">
+                <a:pos x="connsiteX0" y="connsiteY0"/>
+              </a:cxn>
+              <a:cxn ang="0">
+                <a:pos x="connsiteX1" y="connsiteY1"/>
+              </a:cxn>
+              <a:cxn ang="0">
+                <a:pos x="connsiteX2" y="connsiteY2"/>
+              </a:cxn>
+              <a:cxn ang="0">
+                <a:pos x="connsiteX3" y="connsiteY3"/>
+              </a:cxn>
+              <a:cxn ang="0">
+                <a:pos x="connsiteX4" y="connsiteY4"/>
+              </a:cxn>
+              <a:cxn ang="0">
+                <a:pos x="connsiteX5" y="connsiteY5"/>
+              </a:cxn>
+              <a:cxn ang="0">
+                <a:pos x="connsiteX6" y="connsiteY6"/>
+              </a:cxn>
+              <a:cxn ang="0">
+                <a:pos x="connsiteX7" y="connsiteY7"/>
+              </a:cxn>
+              <a:cxn ang="0">
+                <a:pos x="connsiteX8" y="connsiteY8"/>
+              </a:cxn>
+              <a:cxn ang="0">
+                <a:pos x="connsiteX9" y="connsiteY9"/>
+              </a:cxn>
+              <a:cxn ang="0">
+                <a:pos x="connsiteX10" y="connsiteY10"/>
+              </a:cxn>
+              <a:cxn ang="0">
+                <a:pos x="connsiteX11" y="connsiteY11"/>
+              </a:cxn>
+              <a:cxn ang="0">
+                <a:pos x="connsiteX12" y="connsiteY12"/>
+              </a:cxn>
+              <a:cxn ang="0">
+                <a:pos x="connsiteX13" y="connsiteY13"/>
+              </a:cxn>
+              <a:cxn ang="0">
+                <a:pos x="connsiteX14" y="connsiteY14"/>
+              </a:cxn>
+              <a:cxn ang="0">
+                <a:pos x="connsiteX15" y="connsiteY15"/>
+              </a:cxn>
+              <a:cxn ang="0">
+                <a:pos x="connsiteX16" y="connsiteY16"/>
+              </a:cxn>
+              <a:cxn ang="0">
+                <a:pos x="connsiteX17" y="connsiteY17"/>
+              </a:cxn>
+              <a:cxn ang="0">
+                <a:pos x="connsiteX18" y="connsiteY18"/>
+              </a:cxn>
+              <a:cxn ang="0">
+                <a:pos x="connsiteX19" y="connsiteY19"/>
+              </a:cxn>
+              <a:cxn ang="0">
+                <a:pos x="connsiteX20" y="connsiteY20"/>
+              </a:cxn>
+              <a:cxn ang="0">
+                <a:pos x="connsiteX21" y="connsiteY21"/>
+              </a:cxn>
+              <a:cxn ang="0">
+                <a:pos x="connsiteX22" y="connsiteY22"/>
+              </a:cxn>
+              <a:cxn ang="0">
+                <a:pos x="connsiteX23" y="connsiteY23"/>
+              </a:cxn>
+              <a:cxn ang="0">
+                <a:pos x="connsiteX24" y="connsiteY24"/>
+              </a:cxn>
+              <a:cxn ang="0">
+                <a:pos x="connsiteX25" y="connsiteY25"/>
+              </a:cxn>
+              <a:cxn ang="0">
+                <a:pos x="connsiteX26" y="connsiteY26"/>
+              </a:cxn>
+              <a:cxn ang="0">
+                <a:pos x="connsiteX27" y="connsiteY27"/>
+              </a:cxn>
+              <a:cxn ang="0">
+                <a:pos x="connsiteX28" y="connsiteY28"/>
+              </a:cxn>
+              <a:cxn ang="0">
+                <a:pos x="connsiteX29" y="connsiteY29"/>
+              </a:cxn>
+              <a:cxn ang="0">
+                <a:pos x="connsiteX30" y="connsiteY30"/>
+              </a:cxn>
+              <a:cxn ang="0">
+                <a:pos x="connsiteX31" y="connsiteY31"/>
+              </a:cxn>
+              <a:cxn ang="0">
+                <a:pos x="connsiteX32" y="connsiteY32"/>
+              </a:cxn>
+              <a:cxn ang="0">
+                <a:pos x="connsiteX33" y="connsiteY33"/>
+              </a:cxn>
+              <a:cxn ang="0">
+                <a:pos x="connsiteX34" y="connsiteY34"/>
+              </a:cxn>
+            </a:cxnLst>
+            <a:rect l="l" t="t" r="r" b="b"/>
+            <a:pathLst>
+              <a:path w="1753559" h="1429587">
+                <a:moveTo>
+                  <a:pt x="287116" y="1426902"/>
+                </a:moveTo>
+                <a:cubicBezTo>
+                  <a:pt x="127725" y="1366781"/>
+                  <a:pt x="563953" y="35727"/>
+                  <a:pt x="748511" y="773"/>
+                </a:cubicBezTo>
+                <a:cubicBezTo>
+                  <a:pt x="933069" y="-34181"/>
+                  <a:pt x="1518900" y="1126296"/>
+                  <a:pt x="1394463" y="1217177"/>
+                </a:cubicBezTo>
+                <a:cubicBezTo>
+                  <a:pt x="1270026" y="1308058"/>
+                  <a:pt x="-56832" y="690069"/>
+                  <a:pt x="1891" y="546058"/>
+                </a:cubicBezTo>
+                <a:cubicBezTo>
+                  <a:pt x="60614" y="402047"/>
+                  <a:pt x="1646133" y="362898"/>
+                  <a:pt x="1746801" y="353111"/>
+                </a:cubicBezTo>
+                <a:cubicBezTo>
+                  <a:pt x="1847469" y="343324"/>
+                  <a:pt x="793252" y="445390"/>
+                  <a:pt x="605898" y="487335"/>
+                </a:cubicBezTo>
+                <a:cubicBezTo>
+                  <a:pt x="418544" y="529280"/>
+                  <a:pt x="535990" y="581012"/>
+                  <a:pt x="622676" y="604781"/>
+                </a:cubicBezTo>
+                <a:cubicBezTo>
+                  <a:pt x="709362" y="628550"/>
+                  <a:pt x="1033737" y="574022"/>
+                  <a:pt x="1126016" y="629948"/>
+                </a:cubicBezTo>
+                <a:cubicBezTo>
+                  <a:pt x="1218295" y="685874"/>
+                  <a:pt x="1246258" y="912377"/>
+                  <a:pt x="1176350" y="940340"/>
+                </a:cubicBezTo>
+                <a:cubicBezTo>
+                  <a:pt x="1106442" y="968303"/>
+                  <a:pt x="759696" y="859246"/>
+                  <a:pt x="706566" y="797727"/>
+                </a:cubicBezTo>
+                <a:cubicBezTo>
+                  <a:pt x="653436" y="736208"/>
+                  <a:pt x="752706" y="525086"/>
+                  <a:pt x="857568" y="571225"/>
+                </a:cubicBezTo>
+                <a:cubicBezTo>
+                  <a:pt x="962430" y="617364"/>
+                  <a:pt x="1384676" y="1031221"/>
+                  <a:pt x="1335740" y="1074564"/>
+                </a:cubicBezTo>
+                <a:cubicBezTo>
+                  <a:pt x="1286804" y="1117907"/>
+                  <a:pt x="684195" y="915173"/>
+                  <a:pt x="563953" y="831283"/>
+                </a:cubicBezTo>
+                <a:cubicBezTo>
+                  <a:pt x="443711" y="747393"/>
+                  <a:pt x="566749" y="678884"/>
+                  <a:pt x="614287" y="571225"/>
+                </a:cubicBezTo>
+                <a:cubicBezTo>
+                  <a:pt x="661825" y="463566"/>
+                  <a:pt x="793252" y="210498"/>
+                  <a:pt x="849179" y="185331"/>
+                </a:cubicBezTo>
+                <a:cubicBezTo>
+                  <a:pt x="905106" y="160164"/>
+                  <a:pt x="1057506" y="346120"/>
+                  <a:pt x="949847" y="420223"/>
+                </a:cubicBezTo>
+                <a:cubicBezTo>
+                  <a:pt x="842188" y="494326"/>
+                  <a:pt x="281524" y="579614"/>
+                  <a:pt x="203227" y="629948"/>
+                </a:cubicBezTo>
+                <a:cubicBezTo>
+                  <a:pt x="124930" y="680282"/>
+                  <a:pt x="331858" y="737606"/>
+                  <a:pt x="480063" y="722226"/>
+                </a:cubicBezTo>
+                <a:cubicBezTo>
+                  <a:pt x="628269" y="706846"/>
+                  <a:pt x="959634" y="481742"/>
+                  <a:pt x="1092460" y="537669"/>
+                </a:cubicBezTo>
+                <a:cubicBezTo>
+                  <a:pt x="1225286" y="593596"/>
+                  <a:pt x="1314767" y="997665"/>
+                  <a:pt x="1277017" y="1057786"/>
+                </a:cubicBezTo>
+                <a:cubicBezTo>
+                  <a:pt x="1239267" y="1117907"/>
+                  <a:pt x="924680" y="945933"/>
+                  <a:pt x="865957" y="898395"/>
+                </a:cubicBezTo>
+                <a:cubicBezTo>
+                  <a:pt x="807234" y="850857"/>
+                  <a:pt x="877142" y="768365"/>
+                  <a:pt x="924680" y="772560"/>
+                </a:cubicBezTo>
+                <a:cubicBezTo>
+                  <a:pt x="972218" y="776754"/>
+                  <a:pt x="1121822" y="944534"/>
+                  <a:pt x="1151183" y="923562"/>
+                </a:cubicBezTo>
+                <a:cubicBezTo>
+                  <a:pt x="1180544" y="902590"/>
+                  <a:pt x="1151183" y="766967"/>
+                  <a:pt x="1100849" y="646725"/>
+                </a:cubicBezTo>
+                <a:cubicBezTo>
+                  <a:pt x="1050515" y="526483"/>
+                  <a:pt x="926078" y="265026"/>
+                  <a:pt x="849179" y="202109"/>
+                </a:cubicBezTo>
+                <a:cubicBezTo>
+                  <a:pt x="772280" y="139192"/>
+                  <a:pt x="684195" y="216091"/>
+                  <a:pt x="639454" y="269221"/>
+                </a:cubicBezTo>
+                <a:cubicBezTo>
+                  <a:pt x="594713" y="322351"/>
+                  <a:pt x="591916" y="434205"/>
+                  <a:pt x="580731" y="520891"/>
+                </a:cubicBezTo>
+                <a:cubicBezTo>
+                  <a:pt x="569546" y="607577"/>
+                  <a:pt x="541582" y="727819"/>
+                  <a:pt x="572342" y="789338"/>
+                </a:cubicBezTo>
+                <a:cubicBezTo>
+                  <a:pt x="603102" y="850857"/>
+                  <a:pt x="696779" y="842468"/>
+                  <a:pt x="765289" y="890006"/>
+                </a:cubicBezTo>
+                <a:cubicBezTo>
+                  <a:pt x="833799" y="937544"/>
+                  <a:pt x="896717" y="1035415"/>
+                  <a:pt x="983403" y="1074564"/>
+                </a:cubicBezTo>
+                <a:cubicBezTo>
+                  <a:pt x="1070089" y="1113713"/>
+                  <a:pt x="1285406" y="1124898"/>
+                  <a:pt x="1285406" y="1124898"/>
+                </a:cubicBezTo>
+                <a:lnTo>
+                  <a:pt x="1285406" y="1124898"/>
+                </a:lnTo>
+                <a:cubicBezTo>
+                  <a:pt x="1207109" y="1022832"/>
+                  <a:pt x="745715" y="639735"/>
+                  <a:pt x="815623" y="512502"/>
+                </a:cubicBezTo>
+                <a:cubicBezTo>
+                  <a:pt x="885531" y="385269"/>
+                  <a:pt x="1792940" y="203507"/>
+                  <a:pt x="1704856" y="361500"/>
+                </a:cubicBezTo>
+                <a:cubicBezTo>
+                  <a:pt x="1616772" y="519493"/>
+                  <a:pt x="446507" y="1487023"/>
+                  <a:pt x="287116" y="1426902"/>
+                </a:cubicBezTo>
+                <a:close/>
+              </a:path>
+            </a:pathLst>
+          </a:custGeom>
+        </p:spPr>
+        <p:style>
+          <a:lnRef idx="2">
+            <a:schemeClr val="accent1">
+              <a:shade val="50000"/>
+            </a:schemeClr>
+          </a:lnRef>
+          <a:fillRef idx="1">
+            <a:schemeClr val="accent1"/>
+          </a:fillRef>
+          <a:effectRef idx="0">
+            <a:schemeClr val="accent1"/>
+          </a:effectRef>
+          <a:fontRef idx="minor">
+            <a:schemeClr val="lt1"/>
+          </a:fontRef>
+        </p:style>
+        <p:txBody>
+          <a:bodyPr rtlCol="0" anchor="ctr"/>
+          <a:lstStyle/>
+          <a:p>
+            <a:pPr algn="ctr"/>
+            <a:endParaRPr lang="en-NZ" dirty="0"/>
+          </a:p>
+        </p:txBody>
+      </p:sp>
     </p:spTree>
     <p:extLst>
       <p:ext uri="{BB962C8B-B14F-4D97-AF65-F5344CB8AC3E}">
@@ -23503,6 +24648,14 @@
 <file path=ppt/slides/slide3.xml><?xml version="1.0" encoding="utf-8"?>
 <p:sld xmlns:a="http://schemas.openxmlformats.org/drawingml/2006/main" xmlns:r="http://schemas.openxmlformats.org/officeDocument/2006/relationships" xmlns:p="http://schemas.openxmlformats.org/presentationml/2006/main">
   <p:cSld>
+    <p:bg>
+      <p:bgPr>
+        <a:solidFill>
+          <a:schemeClr val="bg2"/>
+        </a:solidFill>
+        <a:effectLst/>
+      </p:bgPr>
+    </p:bg>
     <p:spTree>
       <p:nvGrpSpPr>
         <p:cNvPr id="1" name=""/>
@@ -23517,6 +24670,918 @@
           <a:chExt cx="0" cy="0"/>
         </a:xfrm>
       </p:grpSpPr>
+      <p:grpSp>
+        <p:nvGrpSpPr>
+          <p:cNvPr id="1041" name="Group 1040">
+            <a:extLst>
+              <a:ext uri="{FF2B5EF4-FFF2-40B4-BE49-F238E27FC236}">
+                <a16:creationId xmlns:a16="http://schemas.microsoft.com/office/drawing/2014/main" id="{3BDBC526-6DCD-4FF6-8395-D8C22E46E527}"/>
+              </a:ext>
+              <a:ext uri="{C183D7F6-B498-43B3-948B-1728B52AA6E4}">
+                <adec:decorative xmlns:adec="http://schemas.microsoft.com/office/drawing/2017/decorative" val="1"/>
+              </a:ext>
+            </a:extLst>
+          </p:cNvPr>
+          <p:cNvGrpSpPr>
+            <a:grpSpLocks noGrp="1" noUngrp="1" noRot="1" noChangeAspect="1" noMove="1" noResize="1"/>
+          </p:cNvGrpSpPr>
+          <p:nvPr>
+            <p:extLst>
+              <p:ext uri="{386F3935-93C4-4BCD-93E2-E3B085C9AB24}">
+                <p16:designElem xmlns:p16="http://schemas.microsoft.com/office/powerpoint/2015/main" val="1"/>
+              </p:ext>
+            </p:extLst>
+          </p:nvPr>
+        </p:nvGrpSpPr>
+        <p:grpSpPr>
+          <a:xfrm>
+            <a:off x="613998" y="5334748"/>
+            <a:ext cx="678135" cy="990000"/>
+            <a:chOff x="10490969" y="1448827"/>
+            <a:chExt cx="678135" cy="990000"/>
+          </a:xfrm>
+        </p:grpSpPr>
+        <p:sp>
+          <p:nvSpPr>
+            <p:cNvPr id="1042" name="Freeform: Shape 1041">
+              <a:extLst>
+                <a:ext uri="{FF2B5EF4-FFF2-40B4-BE49-F238E27FC236}">
+                  <a16:creationId xmlns:a16="http://schemas.microsoft.com/office/drawing/2014/main" id="{02ECB475-568C-47AC-B16D-2E202DEB2DE0}"/>
+                </a:ext>
+                <a:ext uri="{C183D7F6-B498-43B3-948B-1728B52AA6E4}">
+                  <adec:decorative xmlns:adec="http://schemas.microsoft.com/office/drawing/2017/decorative" val="1"/>
+                </a:ext>
+              </a:extLst>
+            </p:cNvPr>
+            <p:cNvSpPr>
+              <a:spLocks noChangeAspect="1"/>
+            </p:cNvSpPr>
+            <p:nvPr>
+              <p:extLst>
+                <p:ext uri="{386F3935-93C4-4BCD-93E2-E3B085C9AB24}">
+                  <p16:designElem xmlns:p16="http://schemas.microsoft.com/office/powerpoint/2015/main" val="1"/>
+                </p:ext>
+              </p:extLst>
+            </p:nvPr>
+          </p:nvSpPr>
+          <p:spPr>
+            <a:xfrm rot="2700000" flipH="1" flipV="1">
+              <a:off x="10268976" y="1743588"/>
+              <a:ext cx="926985" cy="463493"/>
+            </a:xfrm>
+            <a:custGeom>
+              <a:avLst/>
+              <a:gdLst>
+                <a:gd name="connsiteX0" fmla="*/ 1329373 w 2658746"/>
+                <a:gd name="connsiteY0" fmla="*/ 0 h 1329373"/>
+                <a:gd name="connsiteX1" fmla="*/ 2658746 w 2658746"/>
+                <a:gd name="connsiteY1" fmla="*/ 1329373 h 1329373"/>
+                <a:gd name="connsiteX2" fmla="*/ 1994059 w 2658746"/>
+                <a:gd name="connsiteY2" fmla="*/ 1329373 h 1329373"/>
+                <a:gd name="connsiteX3" fmla="*/ 1329373 w 2658746"/>
+                <a:gd name="connsiteY3" fmla="*/ 664687 h 1329373"/>
+                <a:gd name="connsiteX4" fmla="*/ 664687 w 2658746"/>
+                <a:gd name="connsiteY4" fmla="*/ 1329373 h 1329373"/>
+                <a:gd name="connsiteX5" fmla="*/ 0 w 2658746"/>
+                <a:gd name="connsiteY5" fmla="*/ 1329373 h 1329373"/>
+                <a:gd name="connsiteX6" fmla="*/ 1329373 w 2658746"/>
+                <a:gd name="connsiteY6" fmla="*/ 0 h 1329373"/>
+              </a:gdLst>
+              <a:ahLst/>
+              <a:cxnLst>
+                <a:cxn ang="0">
+                  <a:pos x="connsiteX0" y="connsiteY0"/>
+                </a:cxn>
+                <a:cxn ang="0">
+                  <a:pos x="connsiteX1" y="connsiteY1"/>
+                </a:cxn>
+                <a:cxn ang="0">
+                  <a:pos x="connsiteX2" y="connsiteY2"/>
+                </a:cxn>
+                <a:cxn ang="0">
+                  <a:pos x="connsiteX3" y="connsiteY3"/>
+                </a:cxn>
+                <a:cxn ang="0">
+                  <a:pos x="connsiteX4" y="connsiteY4"/>
+                </a:cxn>
+                <a:cxn ang="0">
+                  <a:pos x="connsiteX5" y="connsiteY5"/>
+                </a:cxn>
+                <a:cxn ang="0">
+                  <a:pos x="connsiteX6" y="connsiteY6"/>
+                </a:cxn>
+              </a:cxnLst>
+              <a:rect l="l" t="t" r="r" b="b"/>
+              <a:pathLst>
+                <a:path w="2658746" h="1329373">
+                  <a:moveTo>
+                    <a:pt x="1329373" y="0"/>
+                  </a:moveTo>
+                  <a:cubicBezTo>
+                    <a:pt x="2063565" y="0"/>
+                    <a:pt x="2658746" y="595181"/>
+                    <a:pt x="2658746" y="1329373"/>
+                  </a:cubicBezTo>
+                  <a:lnTo>
+                    <a:pt x="1994059" y="1329373"/>
+                  </a:lnTo>
+                  <a:cubicBezTo>
+                    <a:pt x="1994059" y="962277"/>
+                    <a:pt x="1696469" y="664687"/>
+                    <a:pt x="1329373" y="664687"/>
+                  </a:cubicBezTo>
+                  <a:cubicBezTo>
+                    <a:pt x="962277" y="664687"/>
+                    <a:pt x="664687" y="962277"/>
+                    <a:pt x="664687" y="1329373"/>
+                  </a:cubicBezTo>
+                  <a:lnTo>
+                    <a:pt x="0" y="1329373"/>
+                  </a:lnTo>
+                  <a:cubicBezTo>
+                    <a:pt x="0" y="595181"/>
+                    <a:pt x="595181" y="0"/>
+                    <a:pt x="1329373" y="0"/>
+                  </a:cubicBezTo>
+                  <a:close/>
+                </a:path>
+              </a:pathLst>
+            </a:custGeom>
+            <a:solidFill>
+              <a:schemeClr val="bg2"/>
+            </a:solidFill>
+            <a:ln>
+              <a:noFill/>
+            </a:ln>
+            <a:effectLst>
+              <a:innerShdw blurRad="127000" dist="50800" dir="13500000">
+                <a:schemeClr val="accent1">
+                  <a:lumMod val="40000"/>
+                  <a:lumOff val="60000"/>
+                  <a:alpha val="20000"/>
+                </a:schemeClr>
+              </a:innerShdw>
+            </a:effectLst>
+          </p:spPr>
+          <p:style>
+            <a:lnRef idx="2">
+              <a:schemeClr val="accent1">
+                <a:shade val="50000"/>
+              </a:schemeClr>
+            </a:lnRef>
+            <a:fillRef idx="1">
+              <a:schemeClr val="accent1"/>
+            </a:fillRef>
+            <a:effectRef idx="0">
+              <a:schemeClr val="accent1"/>
+            </a:effectRef>
+            <a:fontRef idx="minor">
+              <a:schemeClr val="lt1"/>
+            </a:fontRef>
+          </p:style>
+          <p:txBody>
+            <a:bodyPr rtlCol="0" anchor="ctr"/>
+            <a:lstStyle/>
+            <a:p>
+              <a:pPr algn="ctr"/>
+              <a:endParaRPr lang="en-US">
+                <a:solidFill>
+                  <a:schemeClr val="tx1"/>
+                </a:solidFill>
+              </a:endParaRPr>
+            </a:p>
+          </p:txBody>
+        </p:sp>
+        <p:sp>
+          <p:nvSpPr>
+            <p:cNvPr id="1043" name="Oval 1042">
+              <a:extLst>
+                <a:ext uri="{FF2B5EF4-FFF2-40B4-BE49-F238E27FC236}">
+                  <a16:creationId xmlns:a16="http://schemas.microsoft.com/office/drawing/2014/main" id="{080D8764-525A-441E-B58F-068E82F09714}"/>
+                </a:ext>
+                <a:ext uri="{C183D7F6-B498-43B3-948B-1728B52AA6E4}">
+                  <adec:decorative xmlns:adec="http://schemas.microsoft.com/office/drawing/2017/decorative" val="1"/>
+                </a:ext>
+              </a:extLst>
+            </p:cNvPr>
+            <p:cNvSpPr/>
+            <p:nvPr>
+              <p:extLst>
+                <p:ext uri="{386F3935-93C4-4BCD-93E2-E3B085C9AB24}">
+                  <p16:designElem xmlns:p16="http://schemas.microsoft.com/office/powerpoint/2015/main" val="1"/>
+                </p:ext>
+              </p:extLst>
+            </p:nvPr>
+          </p:nvSpPr>
+          <p:spPr>
+            <a:xfrm rot="8100000" flipH="1" flipV="1">
+              <a:off x="11115555" y="1939340"/>
+              <a:ext cx="53549" cy="233295"/>
+            </a:xfrm>
+            <a:prstGeom prst="ellipse">
+              <a:avLst/>
+            </a:prstGeom>
+            <a:solidFill>
+              <a:schemeClr val="bg2">
+                <a:lumMod val="90000"/>
+                <a:lumOff val="10000"/>
+              </a:schemeClr>
+            </a:solidFill>
+            <a:ln>
+              <a:noFill/>
+            </a:ln>
+            <a:effectLst>
+              <a:innerShdw blurRad="63500" dist="2540000">
+                <a:schemeClr val="accent1">
+                  <a:lumMod val="60000"/>
+                  <a:lumOff val="40000"/>
+                  <a:alpha val="0"/>
+                </a:schemeClr>
+              </a:innerShdw>
+            </a:effectLst>
+          </p:spPr>
+          <p:style>
+            <a:lnRef idx="2">
+              <a:schemeClr val="accent1">
+                <a:shade val="50000"/>
+              </a:schemeClr>
+            </a:lnRef>
+            <a:fillRef idx="1">
+              <a:schemeClr val="accent1"/>
+            </a:fillRef>
+            <a:effectRef idx="0">
+              <a:schemeClr val="accent1"/>
+            </a:effectRef>
+            <a:fontRef idx="minor">
+              <a:schemeClr val="lt1"/>
+            </a:fontRef>
+          </p:style>
+          <p:txBody>
+            <a:bodyPr rot="0" spcFirstLastPara="0" vertOverflow="overflow" horzOverflow="overflow" vert="horz" wrap="square" lIns="91440" tIns="45720" rIns="91440" bIns="45720" numCol="1" spcCol="0" rtlCol="0" fromWordArt="0" anchor="ctr" anchorCtr="0" forceAA="0" compatLnSpc="1">
+              <a:prstTxWarp prst="textNoShape">
+                <a:avLst/>
+              </a:prstTxWarp>
+              <a:noAutofit/>
+            </a:bodyPr>
+            <a:lstStyle/>
+            <a:p>
+              <a:pPr algn="ctr"/>
+              <a:endParaRPr lang="en-US"/>
+            </a:p>
+          </p:txBody>
+        </p:sp>
+        <p:sp>
+          <p:nvSpPr>
+            <p:cNvPr id="1044" name="Oval 1043">
+              <a:extLst>
+                <a:ext uri="{FF2B5EF4-FFF2-40B4-BE49-F238E27FC236}">
+                  <a16:creationId xmlns:a16="http://schemas.microsoft.com/office/drawing/2014/main" id="{11196109-6F2B-4738-B2FC-2CCC753AABD4}"/>
+                </a:ext>
+                <a:ext uri="{C183D7F6-B498-43B3-948B-1728B52AA6E4}">
+                  <adec:decorative xmlns:adec="http://schemas.microsoft.com/office/drawing/2017/decorative" val="1"/>
+                </a:ext>
+              </a:extLst>
+            </p:cNvPr>
+            <p:cNvSpPr/>
+            <p:nvPr>
+              <p:extLst>
+                <p:ext uri="{386F3935-93C4-4BCD-93E2-E3B085C9AB24}">
+                  <p16:designElem xmlns:p16="http://schemas.microsoft.com/office/powerpoint/2015/main" val="1"/>
+                </p:ext>
+              </p:extLst>
+            </p:nvPr>
+          </p:nvSpPr>
+          <p:spPr>
+            <a:xfrm rot="8100000" flipH="1" flipV="1">
+              <a:off x="10625042" y="1448827"/>
+              <a:ext cx="53549" cy="233295"/>
+            </a:xfrm>
+            <a:prstGeom prst="ellipse">
+              <a:avLst/>
+            </a:prstGeom>
+            <a:solidFill>
+              <a:schemeClr val="bg2">
+                <a:lumMod val="90000"/>
+                <a:lumOff val="10000"/>
+              </a:schemeClr>
+            </a:solidFill>
+            <a:ln>
+              <a:noFill/>
+            </a:ln>
+            <a:effectLst>
+              <a:innerShdw blurRad="63500" dist="2540000">
+                <a:schemeClr val="accent1">
+                  <a:lumMod val="60000"/>
+                  <a:lumOff val="40000"/>
+                  <a:alpha val="0"/>
+                </a:schemeClr>
+              </a:innerShdw>
+            </a:effectLst>
+          </p:spPr>
+          <p:style>
+            <a:lnRef idx="2">
+              <a:schemeClr val="accent1">
+                <a:shade val="50000"/>
+              </a:schemeClr>
+            </a:lnRef>
+            <a:fillRef idx="1">
+              <a:schemeClr val="accent1"/>
+            </a:fillRef>
+            <a:effectRef idx="0">
+              <a:schemeClr val="accent1"/>
+            </a:effectRef>
+            <a:fontRef idx="minor">
+              <a:schemeClr val="lt1"/>
+            </a:fontRef>
+          </p:style>
+          <p:txBody>
+            <a:bodyPr rot="0" spcFirstLastPara="0" vertOverflow="overflow" horzOverflow="overflow" vert="horz" wrap="square" lIns="91440" tIns="45720" rIns="91440" bIns="45720" numCol="1" spcCol="0" rtlCol="0" fromWordArt="0" anchor="ctr" anchorCtr="0" forceAA="0" compatLnSpc="1">
+              <a:prstTxWarp prst="textNoShape">
+                <a:avLst/>
+              </a:prstTxWarp>
+              <a:noAutofit/>
+            </a:bodyPr>
+            <a:lstStyle/>
+            <a:p>
+              <a:pPr algn="ctr"/>
+              <a:endParaRPr lang="en-US"/>
+            </a:p>
+          </p:txBody>
+        </p:sp>
+        <p:sp>
+          <p:nvSpPr>
+            <p:cNvPr id="1045" name="Freeform: Shape 1044">
+              <a:extLst>
+                <a:ext uri="{FF2B5EF4-FFF2-40B4-BE49-F238E27FC236}">
+                  <a16:creationId xmlns:a16="http://schemas.microsoft.com/office/drawing/2014/main" id="{F7E468C2-69B8-470B-85E3-801A3CB1D7E2}"/>
+                </a:ext>
+                <a:ext uri="{C183D7F6-B498-43B3-948B-1728B52AA6E4}">
+                  <adec:decorative xmlns:adec="http://schemas.microsoft.com/office/drawing/2017/decorative" val="1"/>
+                </a:ext>
+              </a:extLst>
+            </p:cNvPr>
+            <p:cNvSpPr>
+              <a:spLocks noChangeAspect="1"/>
+            </p:cNvSpPr>
+            <p:nvPr>
+              <p:extLst>
+                <p:ext uri="{386F3935-93C4-4BCD-93E2-E3B085C9AB24}">
+                  <p16:designElem xmlns:p16="http://schemas.microsoft.com/office/powerpoint/2015/main" val="1"/>
+                </p:ext>
+              </p:extLst>
+            </p:nvPr>
+          </p:nvSpPr>
+          <p:spPr>
+            <a:xfrm rot="2700000" flipH="1" flipV="1">
+              <a:off x="10292519" y="1686748"/>
+              <a:ext cx="926985" cy="530086"/>
+            </a:xfrm>
+            <a:custGeom>
+              <a:avLst/>
+              <a:gdLst>
+                <a:gd name="connsiteX0" fmla="*/ 1329373 w 2658746"/>
+                <a:gd name="connsiteY0" fmla="*/ 0 h 1329373"/>
+                <a:gd name="connsiteX1" fmla="*/ 2658746 w 2658746"/>
+                <a:gd name="connsiteY1" fmla="*/ 1329373 h 1329373"/>
+                <a:gd name="connsiteX2" fmla="*/ 1994059 w 2658746"/>
+                <a:gd name="connsiteY2" fmla="*/ 1329373 h 1329373"/>
+                <a:gd name="connsiteX3" fmla="*/ 1329373 w 2658746"/>
+                <a:gd name="connsiteY3" fmla="*/ 664687 h 1329373"/>
+                <a:gd name="connsiteX4" fmla="*/ 664687 w 2658746"/>
+                <a:gd name="connsiteY4" fmla="*/ 1329373 h 1329373"/>
+                <a:gd name="connsiteX5" fmla="*/ 0 w 2658746"/>
+                <a:gd name="connsiteY5" fmla="*/ 1329373 h 1329373"/>
+                <a:gd name="connsiteX6" fmla="*/ 1329373 w 2658746"/>
+                <a:gd name="connsiteY6" fmla="*/ 0 h 1329373"/>
+              </a:gdLst>
+              <a:ahLst/>
+              <a:cxnLst>
+                <a:cxn ang="0">
+                  <a:pos x="connsiteX0" y="connsiteY0"/>
+                </a:cxn>
+                <a:cxn ang="0">
+                  <a:pos x="connsiteX1" y="connsiteY1"/>
+                </a:cxn>
+                <a:cxn ang="0">
+                  <a:pos x="connsiteX2" y="connsiteY2"/>
+                </a:cxn>
+                <a:cxn ang="0">
+                  <a:pos x="connsiteX3" y="connsiteY3"/>
+                </a:cxn>
+                <a:cxn ang="0">
+                  <a:pos x="connsiteX4" y="connsiteY4"/>
+                </a:cxn>
+                <a:cxn ang="0">
+                  <a:pos x="connsiteX5" y="connsiteY5"/>
+                </a:cxn>
+                <a:cxn ang="0">
+                  <a:pos x="connsiteX6" y="connsiteY6"/>
+                </a:cxn>
+              </a:cxnLst>
+              <a:rect l="l" t="t" r="r" b="b"/>
+              <a:pathLst>
+                <a:path w="2658746" h="1329373">
+                  <a:moveTo>
+                    <a:pt x="1329373" y="0"/>
+                  </a:moveTo>
+                  <a:cubicBezTo>
+                    <a:pt x="2063565" y="0"/>
+                    <a:pt x="2658746" y="595181"/>
+                    <a:pt x="2658746" y="1329373"/>
+                  </a:cubicBezTo>
+                  <a:lnTo>
+                    <a:pt x="1994059" y="1329373"/>
+                  </a:lnTo>
+                  <a:cubicBezTo>
+                    <a:pt x="1994059" y="962277"/>
+                    <a:pt x="1696469" y="664687"/>
+                    <a:pt x="1329373" y="664687"/>
+                  </a:cubicBezTo>
+                  <a:cubicBezTo>
+                    <a:pt x="962277" y="664687"/>
+                    <a:pt x="664687" y="962277"/>
+                    <a:pt x="664687" y="1329373"/>
+                  </a:cubicBezTo>
+                  <a:lnTo>
+                    <a:pt x="0" y="1329373"/>
+                  </a:lnTo>
+                  <a:cubicBezTo>
+                    <a:pt x="0" y="595181"/>
+                    <a:pt x="595181" y="0"/>
+                    <a:pt x="1329373" y="0"/>
+                  </a:cubicBezTo>
+                  <a:close/>
+                </a:path>
+              </a:pathLst>
+            </a:custGeom>
+            <a:solidFill>
+              <a:schemeClr val="bg2">
+                <a:lumMod val="50000"/>
+                <a:lumOff val="50000"/>
+                <a:alpha val="20000"/>
+              </a:schemeClr>
+            </a:solidFill>
+            <a:ln>
+              <a:noFill/>
+            </a:ln>
+            <a:effectLst>
+              <a:softEdge rad="101600"/>
+            </a:effectLst>
+          </p:spPr>
+          <p:style>
+            <a:lnRef idx="2">
+              <a:schemeClr val="accent1">
+                <a:shade val="50000"/>
+              </a:schemeClr>
+            </a:lnRef>
+            <a:fillRef idx="1">
+              <a:schemeClr val="accent1"/>
+            </a:fillRef>
+            <a:effectRef idx="0">
+              <a:schemeClr val="accent1"/>
+            </a:effectRef>
+            <a:fontRef idx="minor">
+              <a:schemeClr val="lt1"/>
+            </a:fontRef>
+          </p:style>
+          <p:txBody>
+            <a:bodyPr rtlCol="0" anchor="ctr"/>
+            <a:lstStyle/>
+            <a:p>
+              <a:pPr algn="ctr"/>
+              <a:endParaRPr lang="en-US">
+                <a:solidFill>
+                  <a:schemeClr val="tx1"/>
+                </a:solidFill>
+              </a:endParaRPr>
+            </a:p>
+          </p:txBody>
+        </p:sp>
+      </p:grpSp>
+      <p:sp useBgFill="1">
+        <p:nvSpPr>
+          <p:cNvPr id="1047" name="Rectangle 1046">
+            <a:extLst>
+              <a:ext uri="{FF2B5EF4-FFF2-40B4-BE49-F238E27FC236}">
+                <a16:creationId xmlns:a16="http://schemas.microsoft.com/office/drawing/2014/main" id="{A5931BE0-4B93-4D6C-878E-ACC59D6B4587}"/>
+              </a:ext>
+              <a:ext uri="{C183D7F6-B498-43B3-948B-1728B52AA6E4}">
+                <adec:decorative xmlns:adec="http://schemas.microsoft.com/office/drawing/2017/decorative" val="1"/>
+              </a:ext>
+            </a:extLst>
+          </p:cNvPr>
+          <p:cNvSpPr>
+            <a:spLocks noGrp="1" noRot="1" noChangeAspect="1" noMove="1" noResize="1" noEditPoints="1" noAdjustHandles="1" noChangeArrowheads="1" noChangeShapeType="1" noTextEdit="1"/>
+          </p:cNvSpPr>
+          <p:nvPr>
+            <p:extLst>
+              <p:ext uri="{386F3935-93C4-4BCD-93E2-E3B085C9AB24}">
+                <p16:designElem xmlns:p16="http://schemas.microsoft.com/office/powerpoint/2015/main" val="1"/>
+              </p:ext>
+            </p:extLst>
+          </p:nvPr>
+        </p:nvSpPr>
+        <p:spPr>
+          <a:xfrm>
+            <a:off x="0" y="0"/>
+            <a:ext cx="12192000" cy="6858000"/>
+          </a:xfrm>
+          <a:prstGeom prst="rect">
+            <a:avLst/>
+          </a:prstGeom>
+          <a:ln w="12700" cap="flat" cmpd="sng" algn="ctr">
+            <a:noFill/>
+            <a:prstDash val="solid"/>
+            <a:miter lim="800000"/>
+          </a:ln>
+          <a:effectLst/>
+          <a:extLst>
+            <a:ext uri="{91240B29-F687-4F45-9708-019B960494DF}">
+              <a14:hiddenLine xmlns:a14="http://schemas.microsoft.com/office/drawing/2010/main" w="12700" cap="flat" cmpd="sng" algn="ctr">
+                <a:solidFill>
+                  <a:schemeClr val="accent1">
+                    <a:shade val="50000"/>
+                  </a:schemeClr>
+                </a:solidFill>
+                <a:prstDash val="solid"/>
+                <a:miter lim="800000"/>
+              </a14:hiddenLine>
+            </a:ext>
+          </a:extLst>
+        </p:spPr>
+        <p:style>
+          <a:lnRef idx="2">
+            <a:schemeClr val="accent1">
+              <a:shade val="50000"/>
+            </a:schemeClr>
+          </a:lnRef>
+          <a:fillRef idx="1">
+            <a:schemeClr val="accent1"/>
+          </a:fillRef>
+          <a:effectRef idx="0">
+            <a:schemeClr val="accent1"/>
+          </a:effectRef>
+          <a:fontRef idx="minor">
+            <a:schemeClr val="lt1"/>
+          </a:fontRef>
+        </p:style>
+        <p:txBody>
+          <a:bodyPr rtlCol="0" anchor="ctr"/>
+          <a:lstStyle/>
+          <a:p>
+            <a:pPr algn="ctr"/>
+            <a:endParaRPr lang="en-US"/>
+          </a:p>
+        </p:txBody>
+      </p:sp>
+      <p:pic>
+        <p:nvPicPr>
+          <p:cNvPr id="1032" name="Picture 8" descr="Microsoft Surface Studio: Pricing and Details | WIRED">
+            <a:extLst>
+              <a:ext uri="{FF2B5EF4-FFF2-40B4-BE49-F238E27FC236}">
+                <a16:creationId xmlns:a16="http://schemas.microsoft.com/office/drawing/2014/main" id="{319E737C-B051-9CF6-A46E-1C2145222EF9}"/>
+              </a:ext>
+            </a:extLst>
+          </p:cNvPr>
+          <p:cNvPicPr>
+            <a:picLocks noGrp="1" noChangeAspect="1" noChangeArrowheads="1"/>
+          </p:cNvPicPr>
+          <p:nvPr>
+            <p:ph type="pic" sz="quarter" idx="14"/>
+          </p:nvPr>
+        </p:nvPicPr>
+        <p:blipFill rotWithShape="1">
+          <a:blip r:embed="rId3">
+            <a:extLst>
+              <a:ext uri="{28A0092B-C50C-407E-A947-70E740481C1C}">
+                <a14:useLocalDpi xmlns:a14="http://schemas.microsoft.com/office/drawing/2010/main" val="0"/>
+              </a:ext>
+            </a:extLst>
+          </a:blip>
+          <a:srcRect l="34549" r="4908" b="3"/>
+          <a:stretch/>
+        </p:blipFill>
+        <p:spPr bwMode="auto">
+          <a:xfrm>
+            <a:off x="20" y="1"/>
+            <a:ext cx="3049180" cy="3777175"/>
+          </a:xfrm>
+          <a:custGeom>
+            <a:avLst/>
+            <a:gdLst/>
+            <a:ahLst/>
+            <a:cxnLst/>
+            <a:rect l="l" t="t" r="r" b="b"/>
+            <a:pathLst>
+              <a:path w="3049200" h="3777175">
+                <a:moveTo>
+                  <a:pt x="0" y="0"/>
+                </a:moveTo>
+                <a:lnTo>
+                  <a:pt x="3049200" y="0"/>
+                </a:lnTo>
+                <a:lnTo>
+                  <a:pt x="3049200" y="3777175"/>
+                </a:lnTo>
+                <a:lnTo>
+                  <a:pt x="0" y="3777175"/>
+                </a:lnTo>
+                <a:close/>
+              </a:path>
+            </a:pathLst>
+          </a:custGeom>
+          <a:noFill/>
+          <a:extLst>
+            <a:ext uri="{909E8E84-426E-40DD-AFC4-6F175D3DCCD1}">
+              <a14:hiddenFill xmlns:a14="http://schemas.microsoft.com/office/drawing/2010/main">
+                <a:solidFill>
+                  <a:srgbClr val="FFFFFF"/>
+                </a:solidFill>
+              </a14:hiddenFill>
+            </a:ext>
+          </a:extLst>
+        </p:spPr>
+      </p:pic>
+      <p:pic>
+        <p:nvPicPr>
+          <p:cNvPr id="1030" name="Picture 6" descr="Shop Windows All-in-One Desktop Computers | Microsoft">
+            <a:extLst>
+              <a:ext uri="{FF2B5EF4-FFF2-40B4-BE49-F238E27FC236}">
+                <a16:creationId xmlns:a16="http://schemas.microsoft.com/office/drawing/2014/main" id="{7B7A03E6-C907-B1F9-D95A-9F7171C02FD6}"/>
+              </a:ext>
+            </a:extLst>
+          </p:cNvPr>
+          <p:cNvPicPr>
+            <a:picLocks noGrp="1" noChangeAspect="1" noChangeArrowheads="1"/>
+          </p:cNvPicPr>
+          <p:nvPr>
+            <p:ph type="pic" sz="quarter" idx="13"/>
+          </p:nvPr>
+        </p:nvPicPr>
+        <p:blipFill rotWithShape="1">
+          <a:blip r:embed="rId4">
+            <a:extLst>
+              <a:ext uri="{28A0092B-C50C-407E-A947-70E740481C1C}">
+                <a14:useLocalDpi xmlns:a14="http://schemas.microsoft.com/office/drawing/2010/main" val="0"/>
+              </a:ext>
+            </a:extLst>
+          </a:blip>
+          <a:srcRect l="12058" r="12061" b="3"/>
+          <a:stretch/>
+        </p:blipFill>
+        <p:spPr bwMode="auto">
+          <a:xfrm>
+            <a:off x="3046800" y="1"/>
+            <a:ext cx="3049200" cy="3777175"/>
+          </a:xfrm>
+          <a:custGeom>
+            <a:avLst/>
+            <a:gdLst/>
+            <a:ahLst/>
+            <a:cxnLst/>
+            <a:rect l="l" t="t" r="r" b="b"/>
+            <a:pathLst>
+              <a:path w="3049200" h="3777175">
+                <a:moveTo>
+                  <a:pt x="0" y="0"/>
+                </a:moveTo>
+                <a:lnTo>
+                  <a:pt x="3049200" y="0"/>
+                </a:lnTo>
+                <a:lnTo>
+                  <a:pt x="3049200" y="3777175"/>
+                </a:lnTo>
+                <a:lnTo>
+                  <a:pt x="0" y="3777175"/>
+                </a:lnTo>
+                <a:close/>
+              </a:path>
+            </a:pathLst>
+          </a:custGeom>
+          <a:noFill/>
+          <a:extLst>
+            <a:ext uri="{909E8E84-426E-40DD-AFC4-6F175D3DCCD1}">
+              <a14:hiddenFill xmlns:a14="http://schemas.microsoft.com/office/drawing/2010/main">
+                <a:solidFill>
+                  <a:srgbClr val="FFFFFF"/>
+                </a:solidFill>
+              </a14:hiddenFill>
+            </a:ext>
+          </a:extLst>
+        </p:spPr>
+      </p:pic>
+      <p:pic>
+        <p:nvPicPr>
+          <p:cNvPr id="1036" name="Picture 12" descr="Linux Archives - Microsoft Edge Blog">
+            <a:extLst>
+              <a:ext uri="{FF2B5EF4-FFF2-40B4-BE49-F238E27FC236}">
+                <a16:creationId xmlns:a16="http://schemas.microsoft.com/office/drawing/2014/main" id="{C5297D87-7602-A6BC-E152-2EE8F61376BE}"/>
+              </a:ext>
+            </a:extLst>
+          </p:cNvPr>
+          <p:cNvPicPr>
+            <a:picLocks noGrp="1" noChangeAspect="1" noChangeArrowheads="1"/>
+          </p:cNvPicPr>
+          <p:nvPr>
+            <p:ph type="pic" sz="quarter" idx="16"/>
+          </p:nvPr>
+        </p:nvPicPr>
+        <p:blipFill rotWithShape="1">
+          <a:blip r:embed="rId5">
+            <a:extLst>
+              <a:ext uri="{28A0092B-C50C-407E-A947-70E740481C1C}">
+                <a14:useLocalDpi xmlns:a14="http://schemas.microsoft.com/office/drawing/2010/main" val="0"/>
+              </a:ext>
+            </a:extLst>
+          </a:blip>
+          <a:srcRect l="19880" r="19577" b="3"/>
+          <a:stretch/>
+        </p:blipFill>
+        <p:spPr bwMode="auto">
+          <a:xfrm>
+            <a:off x="6093600" y="1"/>
+            <a:ext cx="3049200" cy="3777175"/>
+          </a:xfrm>
+          <a:custGeom>
+            <a:avLst/>
+            <a:gdLst/>
+            <a:ahLst/>
+            <a:cxnLst/>
+            <a:rect l="l" t="t" r="r" b="b"/>
+            <a:pathLst>
+              <a:path w="3049200" h="3777175">
+                <a:moveTo>
+                  <a:pt x="0" y="0"/>
+                </a:moveTo>
+                <a:lnTo>
+                  <a:pt x="3049200" y="0"/>
+                </a:lnTo>
+                <a:lnTo>
+                  <a:pt x="3049200" y="3777175"/>
+                </a:lnTo>
+                <a:lnTo>
+                  <a:pt x="0" y="3777175"/>
+                </a:lnTo>
+                <a:close/>
+              </a:path>
+            </a:pathLst>
+          </a:custGeom>
+          <a:noFill/>
+          <a:extLst>
+            <a:ext uri="{909E8E84-426E-40DD-AFC4-6F175D3DCCD1}">
+              <a14:hiddenFill xmlns:a14="http://schemas.microsoft.com/office/drawing/2010/main">
+                <a:solidFill>
+                  <a:srgbClr val="FFFFFF"/>
+                </a:solidFill>
+              </a14:hiddenFill>
+            </a:ext>
+          </a:extLst>
+        </p:spPr>
+      </p:pic>
+      <p:pic>
+        <p:nvPicPr>
+          <p:cNvPr id="1034" name="Picture 10" descr="Buy PC Computers, Laptops &amp; Tablets - Microsoft Store">
+            <a:extLst>
+              <a:ext uri="{FF2B5EF4-FFF2-40B4-BE49-F238E27FC236}">
+                <a16:creationId xmlns:a16="http://schemas.microsoft.com/office/drawing/2014/main" id="{9D978DFC-6951-5232-B009-39D39C8425BC}"/>
+              </a:ext>
+            </a:extLst>
+          </p:cNvPr>
+          <p:cNvPicPr>
+            <a:picLocks noGrp="1" noChangeAspect="1" noChangeArrowheads="1"/>
+          </p:cNvPicPr>
+          <p:nvPr>
+            <p:ph type="pic" sz="quarter" idx="15"/>
+          </p:nvPr>
+        </p:nvPicPr>
+        <p:blipFill rotWithShape="1">
+          <a:blip r:embed="rId6">
+            <a:extLst>
+              <a:ext uri="{28A0092B-C50C-407E-A947-70E740481C1C}">
+                <a14:useLocalDpi xmlns:a14="http://schemas.microsoft.com/office/drawing/2010/main" val="0"/>
+              </a:ext>
+            </a:extLst>
+          </a:blip>
+          <a:srcRect l="26902" r="27085" b="3"/>
+          <a:stretch/>
+        </p:blipFill>
+        <p:spPr bwMode="auto">
+          <a:xfrm>
+            <a:off x="9142800" y="1"/>
+            <a:ext cx="3049200" cy="3777175"/>
+          </a:xfrm>
+          <a:custGeom>
+            <a:avLst/>
+            <a:gdLst/>
+            <a:ahLst/>
+            <a:cxnLst/>
+            <a:rect l="l" t="t" r="r" b="b"/>
+            <a:pathLst>
+              <a:path w="3049200" h="3777175">
+                <a:moveTo>
+                  <a:pt x="0" y="0"/>
+                </a:moveTo>
+                <a:lnTo>
+                  <a:pt x="3049200" y="0"/>
+                </a:lnTo>
+                <a:lnTo>
+                  <a:pt x="3049200" y="3777175"/>
+                </a:lnTo>
+                <a:lnTo>
+                  <a:pt x="0" y="3777175"/>
+                </a:lnTo>
+                <a:close/>
+              </a:path>
+            </a:pathLst>
+          </a:custGeom>
+          <a:noFill/>
+          <a:extLst>
+            <a:ext uri="{909E8E84-426E-40DD-AFC4-6F175D3DCCD1}">
+              <a14:hiddenFill xmlns:a14="http://schemas.microsoft.com/office/drawing/2010/main">
+                <a:solidFill>
+                  <a:srgbClr val="FFFFFF"/>
+                </a:solidFill>
+              </a14:hiddenFill>
+            </a:ext>
+          </a:extLst>
+        </p:spPr>
+      </p:pic>
+      <p:sp>
+        <p:nvSpPr>
+          <p:cNvPr id="1049" name="Rectangle 1048">
+            <a:extLst>
+              <a:ext uri="{FF2B5EF4-FFF2-40B4-BE49-F238E27FC236}">
+                <a16:creationId xmlns:a16="http://schemas.microsoft.com/office/drawing/2014/main" id="{34F32A54-C851-4ADC-B81A-DEE6F5A090E5}"/>
+              </a:ext>
+              <a:ext uri="{C183D7F6-B498-43B3-948B-1728B52AA6E4}">
+                <adec:decorative xmlns:adec="http://schemas.microsoft.com/office/drawing/2017/decorative" val="1"/>
+              </a:ext>
+            </a:extLst>
+          </p:cNvPr>
+          <p:cNvSpPr>
+            <a:spLocks noGrp="1" noRot="1" noChangeAspect="1" noMove="1" noResize="1" noEditPoints="1" noAdjustHandles="1" noChangeArrowheads="1" noChangeShapeType="1" noTextEdit="1"/>
+          </p:cNvSpPr>
+          <p:nvPr>
+            <p:extLst>
+              <p:ext uri="{386F3935-93C4-4BCD-93E2-E3B085C9AB24}">
+                <p16:designElem xmlns:p16="http://schemas.microsoft.com/office/powerpoint/2015/main" val="1"/>
+              </p:ext>
+            </p:extLst>
+          </p:nvPr>
+        </p:nvSpPr>
+        <p:spPr>
+          <a:xfrm>
+            <a:off x="0" y="5773729"/>
+            <a:ext cx="12192000" cy="1084271"/>
+          </a:xfrm>
+          <a:prstGeom prst="rect">
+            <a:avLst/>
+          </a:prstGeom>
+          <a:gradFill flip="none" rotWithShape="1">
+            <a:gsLst>
+              <a:gs pos="100000">
+                <a:schemeClr val="bg2">
+                  <a:alpha val="60000"/>
+                </a:schemeClr>
+              </a:gs>
+              <a:gs pos="40000">
+                <a:schemeClr val="bg2">
+                  <a:alpha val="0"/>
+                </a:schemeClr>
+              </a:gs>
+            </a:gsLst>
+            <a:lin ang="5400000" scaled="0"/>
+            <a:tileRect/>
+          </a:gradFill>
+          <a:ln>
+            <a:noFill/>
+          </a:ln>
+        </p:spPr>
+        <p:style>
+          <a:lnRef idx="2">
+            <a:schemeClr val="accent1">
+              <a:shade val="50000"/>
+            </a:schemeClr>
+          </a:lnRef>
+          <a:fillRef idx="1">
+            <a:schemeClr val="accent1"/>
+          </a:fillRef>
+          <a:effectRef idx="0">
+            <a:schemeClr val="accent1"/>
+          </a:effectRef>
+          <a:fontRef idx="minor">
+            <a:schemeClr val="lt1"/>
+          </a:fontRef>
+        </p:style>
+        <p:txBody>
+          <a:bodyPr rtlCol="0" anchor="ctr"/>
+          <a:lstStyle/>
+          <a:p>
+            <a:pPr algn="ctr"/>
+            <a:endParaRPr lang="en-US"/>
+          </a:p>
+        </p:txBody>
+      </p:sp>
       <p:sp>
         <p:nvSpPr>
           <p:cNvPr id="11" name="Title 10">
@@ -23540,119 +25605,65 @@
           </a:xfrm>
         </p:spPr>
         <p:txBody>
-          <a:bodyPr/>
+          <a:bodyPr vert="horz" wrap="square" lIns="0" tIns="0" rIns="0" bIns="0" rtlCol="0" anchor="t" anchorCtr="0">
+            <a:normAutofit/>
+          </a:bodyPr>
           <a:lstStyle/>
           <a:p>
+            <a:pPr>
+              <a:lnSpc>
+                <a:spcPct val="100000"/>
+              </a:lnSpc>
+            </a:pPr>
             <a:r>
-              <a:rPr lang="en-US"/>
+              <a:rPr lang="en-US" kern="1200" dirty="0">
+                <a:solidFill>
+                  <a:schemeClr val="tx1"/>
+                </a:solidFill>
+                <a:latin typeface="+mj-lt"/>
+                <a:ea typeface="+mj-ea"/>
+                <a:cs typeface="+mj-cs"/>
+              </a:rPr>
               <a:t>Introduction</a:t>
             </a:r>
-            <a:endParaRPr lang="en-US" dirty="0"/>
           </a:p>
         </p:txBody>
       </p:sp>
-      <p:pic>
-        <p:nvPicPr>
-          <p:cNvPr id="18" name="Picture Placeholder 17" descr="A group of people sitting at a table">
+      <p:sp>
+        <p:nvSpPr>
+          <p:cNvPr id="12" name="Content Placeholder 11">
             <a:extLst>
               <a:ext uri="{FF2B5EF4-FFF2-40B4-BE49-F238E27FC236}">
-                <a16:creationId xmlns:a16="http://schemas.microsoft.com/office/drawing/2014/main" id="{E2536017-F539-430C-A901-70AB81CA612A}"/>
+                <a16:creationId xmlns:a16="http://schemas.microsoft.com/office/drawing/2014/main" id="{E5127060-CDBF-435F-9009-A5451CCE305D}"/>
               </a:ext>
             </a:extLst>
           </p:cNvPr>
-          <p:cNvPicPr>
-            <a:picLocks noGrp="1" noChangeAspect="1"/>
-          </p:cNvPicPr>
+          <p:cNvSpPr>
+            <a:spLocks noGrp="1"/>
+          </p:cNvSpPr>
           <p:nvPr>
-            <p:ph type="pic" sz="quarter" idx="13"/>
+            <p:ph sz="quarter" idx="15"/>
           </p:nvPr>
-        </p:nvPicPr>
-        <p:blipFill rotWithShape="1">
-          <a:blip r:embed="rId3" cstate="screen">
-            <a:extLst>
-              <a:ext uri="{28A0092B-C50C-407E-A947-70E740481C1C}">
-                <a14:useLocalDpi xmlns:a14="http://schemas.microsoft.com/office/drawing/2010/main" val="0"/>
-              </a:ext>
-            </a:extLst>
-          </a:blip>
-          <a:srcRect t="42" b="42"/>
-          <a:stretch/>
-        </p:blipFill>
+        </p:nvSpPr>
         <p:spPr>
           <a:xfrm>
-            <a:off x="0" y="0"/>
-            <a:ext cx="3054096" cy="3776472"/>
+            <a:off x="5267325" y="4507200"/>
+            <a:ext cx="6373813" cy="1562959"/>
           </a:xfrm>
         </p:spPr>
-      </p:pic>
-      <p:pic>
-        <p:nvPicPr>
-          <p:cNvPr id="20" name="Picture Placeholder 19" descr="Data Points Digital background">
-            <a:extLst>
-              <a:ext uri="{FF2B5EF4-FFF2-40B4-BE49-F238E27FC236}">
-                <a16:creationId xmlns:a16="http://schemas.microsoft.com/office/drawing/2014/main" id="{528A7D8D-1AB5-46C4-93FA-D92C2FD51692}"/>
-              </a:ext>
-            </a:extLst>
-          </p:cNvPr>
-          <p:cNvPicPr>
-            <a:picLocks noGrp="1" noChangeAspect="1"/>
-          </p:cNvPicPr>
-          <p:nvPr>
-            <p:ph type="pic" sz="quarter" idx="14"/>
-          </p:nvPr>
-        </p:nvPicPr>
-        <p:blipFill rotWithShape="1">
-          <a:blip r:embed="rId4" cstate="screen">
-            <a:extLst>
-              <a:ext uri="{28A0092B-C50C-407E-A947-70E740481C1C}">
-                <a14:useLocalDpi xmlns:a14="http://schemas.microsoft.com/office/drawing/2010/main" val="0"/>
-              </a:ext>
-            </a:extLst>
-          </a:blip>
-          <a:srcRect t="42" b="42"/>
-          <a:stretch/>
-        </p:blipFill>
-        <p:spPr>
-          <a:xfrm>
-            <a:off x="3054096" y="0"/>
-            <a:ext cx="3054096" cy="3776472"/>
-          </a:xfrm>
-        </p:spPr>
-      </p:pic>
-      <p:pic>
-        <p:nvPicPr>
-          <p:cNvPr id="25" name="Picture Placeholder 24" descr="Digital Graph Screen">
-            <a:extLst>
-              <a:ext uri="{FF2B5EF4-FFF2-40B4-BE49-F238E27FC236}">
-                <a16:creationId xmlns:a16="http://schemas.microsoft.com/office/drawing/2014/main" id="{B7353C46-ACC1-4078-85C2-26B57B0E58B7}"/>
-              </a:ext>
-            </a:extLst>
-          </p:cNvPr>
-          <p:cNvPicPr>
-            <a:picLocks noGrp="1" noChangeAspect="1"/>
-          </p:cNvPicPr>
-          <p:nvPr>
-            <p:ph type="pic" sz="quarter" idx="16"/>
-          </p:nvPr>
-        </p:nvPicPr>
-        <p:blipFill rotWithShape="1">
-          <a:blip r:embed="rId5" cstate="screen">
-            <a:extLst>
-              <a:ext uri="{28A0092B-C50C-407E-A947-70E740481C1C}">
-                <a14:useLocalDpi xmlns:a14="http://schemas.microsoft.com/office/drawing/2010/main" val="0"/>
-              </a:ext>
-            </a:extLst>
-          </a:blip>
-          <a:srcRect t="42" b="42"/>
-          <a:stretch/>
-        </p:blipFill>
-        <p:spPr>
-          <a:xfrm>
-            <a:off x="9137904" y="0"/>
-            <a:ext cx="3054096" cy="3776472"/>
-          </a:xfrm>
-        </p:spPr>
-      </p:pic>
+        <p:txBody>
+          <a:bodyPr vert="horz" wrap="square" lIns="0" tIns="0" rIns="0" bIns="0" rtlCol="0" anchor="t">
+            <a:normAutofit lnSpcReduction="10000"/>
+          </a:bodyPr>
+          <a:lstStyle/>
+          <a:p>
+            <a:r>
+              <a:rPr lang="en-US" dirty="0"/>
+              <a:t>Hi my name is Whitiora, and my PowerPoint is about computers. In class we have been learning about different parts of a computer and how they function. I also got to take apart an old PC and see all the parts inside of it, later my team and I had to try put it back together again.</a:t>
+            </a:r>
+          </a:p>
+        </p:txBody>
+      </p:sp>
       <p:sp>
         <p:nvSpPr>
           <p:cNvPr id="4" name="Date Placeholder 3">
@@ -23676,46 +25687,25 @@
           </a:xfrm>
         </p:spPr>
         <p:txBody>
-          <a:bodyPr/>
+          <a:bodyPr vert="horz" wrap="square" lIns="0" tIns="0" rIns="0" bIns="0" rtlCol="0" anchor="ctr">
+            <a:normAutofit/>
+          </a:bodyPr>
           <a:lstStyle/>
           <a:p>
+            <a:pPr>
+              <a:spcAft>
+                <a:spcPts val="600"/>
+              </a:spcAft>
+            </a:pPr>
             <a:r>
-              <a:rPr lang="en-US"/>
-              <a:t>Tuesday, February 2, 20XX</a:t>
-            </a:r>
-            <a:endParaRPr lang="en-US" dirty="0"/>
-          </a:p>
-        </p:txBody>
-      </p:sp>
-      <p:sp>
-        <p:nvSpPr>
-          <p:cNvPr id="5" name="Footer Placeholder 4">
-            <a:extLst>
-              <a:ext uri="{FF2B5EF4-FFF2-40B4-BE49-F238E27FC236}">
-                <a16:creationId xmlns:a16="http://schemas.microsoft.com/office/drawing/2014/main" id="{06A3302E-502D-4151-81C9-5FD6AF9596D6}"/>
-              </a:ext>
-            </a:extLst>
-          </p:cNvPr>
-          <p:cNvSpPr>
-            <a:spLocks noGrp="1"/>
-          </p:cNvSpPr>
-          <p:nvPr>
-            <p:ph type="ftr" sz="quarter" idx="11"/>
-          </p:nvPr>
-        </p:nvSpPr>
-        <p:spPr>
-          <a:xfrm>
-            <a:off x="3359150" y="6507212"/>
-            <a:ext cx="6379210" cy="153888"/>
-          </a:xfrm>
-        </p:spPr>
-        <p:txBody>
-          <a:bodyPr/>
-          <a:lstStyle/>
-          <a:p>
-            <a:r>
-              <a:rPr lang="en-US"/>
-              <a:t>Sample Footer Text</a:t>
+              <a:rPr lang="en-US" dirty="0">
+                <a:solidFill>
+                  <a:schemeClr val="tx1">
+                    <a:alpha val="80000"/>
+                  </a:schemeClr>
+                </a:solidFill>
+              </a:rPr>
+              <a:t>Monday, May 22, 2023</a:t>
             </a:r>
           </a:p>
         </p:txBody>
@@ -23738,90 +25728,43 @@
         </p:nvSpPr>
         <p:spPr>
           <a:xfrm>
-            <a:off x="9948863" y="6507212"/>
+            <a:off x="9948863" y="6486346"/>
             <a:ext cx="1692274" cy="153888"/>
           </a:xfrm>
         </p:spPr>
         <p:txBody>
-          <a:bodyPr/>
-          <a:lstStyle/>
-          <a:p>
-            <a:fld id="{DBA1B0FB-D917-4C8C-928F-313BD683BF39}" type="slidenum">
-              <a:rPr lang="en-US" smtClean="0"/>
-              <a:pPr/>
-              <a:t>3</a:t>
-            </a:fld>
-            <a:endParaRPr lang="en-US"/>
-          </a:p>
-        </p:txBody>
-      </p:sp>
-      <p:pic>
-        <p:nvPicPr>
-          <p:cNvPr id="23" name="Picture Placeholder 22" descr="A person drawing on a white board">
-            <a:extLst>
-              <a:ext uri="{FF2B5EF4-FFF2-40B4-BE49-F238E27FC236}">
-                <a16:creationId xmlns:a16="http://schemas.microsoft.com/office/drawing/2014/main" id="{2B3C4F95-A0FA-45D9-BF43-1C398F65B891}"/>
-              </a:ext>
-            </a:extLst>
-          </p:cNvPr>
-          <p:cNvPicPr>
-            <a:picLocks noGrp="1" noChangeAspect="1"/>
-          </p:cNvPicPr>
-          <p:nvPr>
-            <p:ph type="pic" sz="quarter" idx="15"/>
-          </p:nvPr>
-        </p:nvPicPr>
-        <p:blipFill rotWithShape="1">
-          <a:blip r:embed="rId6" cstate="screen">
-            <a:extLst>
-              <a:ext uri="{28A0092B-C50C-407E-A947-70E740481C1C}">
-                <a14:useLocalDpi xmlns:a14="http://schemas.microsoft.com/office/drawing/2010/main" val="0"/>
-              </a:ext>
-            </a:extLst>
-          </a:blip>
-          <a:srcRect t="42" b="42"/>
-          <a:stretch/>
-        </p:blipFill>
-        <p:spPr>
-          <a:xfrm>
-            <a:off x="6083808" y="0"/>
-            <a:ext cx="3054096" cy="3776472"/>
-          </a:xfrm>
-        </p:spPr>
-      </p:pic>
-      <p:sp>
-        <p:nvSpPr>
-          <p:cNvPr id="12" name="Content Placeholder 11">
-            <a:extLst>
-              <a:ext uri="{FF2B5EF4-FFF2-40B4-BE49-F238E27FC236}">
-                <a16:creationId xmlns:a16="http://schemas.microsoft.com/office/drawing/2014/main" id="{E5127060-CDBF-435F-9009-A5451CCE305D}"/>
-              </a:ext>
-            </a:extLst>
-          </p:cNvPr>
-          <p:cNvSpPr>
-            <a:spLocks noGrp="1"/>
-          </p:cNvSpPr>
-          <p:nvPr>
-            <p:ph sz="quarter" idx="15"/>
-          </p:nvPr>
-        </p:nvSpPr>
-        <p:spPr>
-          <a:xfrm>
-            <a:off x="5262563" y="4508499"/>
-            <a:ext cx="6221412" cy="1750257"/>
-          </a:xfrm>
-          <a:noFill/>
-        </p:spPr>
-        <p:txBody>
-          <a:bodyPr>
+          <a:bodyPr vert="horz" wrap="square" lIns="0" tIns="0" rIns="0" bIns="0" rtlCol="0" anchor="ctr">
             <a:normAutofit/>
           </a:bodyPr>
           <a:lstStyle/>
           <a:p>
-            <a:r>
-              <a:rPr lang="en-US" dirty="0"/>
-              <a:t>With PowerPoint, you can create presentations and share your work with others, wherever they are. Type the text you want here to get started. You can also add images, art, and videos on this template. Save to OneDrive and access your presentations from your computer, tablet, or phone. </a:t>
-            </a:r>
+            <a:pPr>
+              <a:spcAft>
+                <a:spcPts val="600"/>
+              </a:spcAft>
+            </a:pPr>
+            <a:fld id="{DBA1B0FB-D917-4C8C-928F-313BD683BF39}" type="slidenum">
+              <a:rPr lang="en-US" smtClean="0">
+                <a:solidFill>
+                  <a:schemeClr val="tx1">
+                    <a:alpha val="80000"/>
+                  </a:schemeClr>
+                </a:solidFill>
+              </a:rPr>
+              <a:pPr>
+                <a:spcAft>
+                  <a:spcPts val="600"/>
+                </a:spcAft>
+              </a:pPr>
+              <a:t>3</a:t>
+            </a:fld>
+            <a:endParaRPr lang="en-US">
+              <a:solidFill>
+                <a:schemeClr val="tx1">
+                  <a:alpha val="80000"/>
+                </a:schemeClr>
+              </a:solidFill>
+            </a:endParaRPr>
           </a:p>
         </p:txBody>
       </p:sp>
@@ -25021,8 +26964,34 @@
                 <a:ea typeface="+mn-ea"/>
                 <a:cs typeface="+mn-cs"/>
               </a:rPr>
-              <a:t>Subtitle</a:t>
+              <a:t>The research that I done was to find </a:t>
             </a:r>
+            <a:r>
+              <a:rPr lang="en-US" dirty="0"/>
+              <a:t>out what each part of the computer was used for, for example a monitor is used for a </a:t>
+            </a:r>
+            <a:r>
+              <a:rPr lang="en-NZ" b="0" i="0" dirty="0">
+                <a:solidFill>
+                  <a:schemeClr val="tx1">
+                    <a:lumMod val="75000"/>
+                  </a:schemeClr>
+                </a:solidFill>
+                <a:effectLst/>
+                <a:latin typeface="Google Sans"/>
+              </a:rPr>
+              <a:t>display's information in pictorial or textual form.</a:t>
+            </a:r>
+            <a:endParaRPr lang="en-US" kern="1200" dirty="0">
+              <a:solidFill>
+                <a:schemeClr val="tx1">
+                  <a:lumMod val="75000"/>
+                </a:schemeClr>
+              </a:solidFill>
+              <a:latin typeface="+mn-lt"/>
+              <a:ea typeface="+mn-ea"/>
+              <a:cs typeface="+mn-cs"/>
+            </a:endParaRPr>
           </a:p>
         </p:txBody>
       </p:sp>
@@ -26285,13 +28254,13 @@
         </p:nvSpPr>
         <p:spPr>
           <a:xfrm>
-            <a:off x="550863" y="3827610"/>
+            <a:off x="550863" y="4050648"/>
             <a:ext cx="5437187" cy="2265216"/>
           </a:xfrm>
         </p:spPr>
         <p:txBody>
           <a:bodyPr vert="horz" wrap="square" lIns="0" tIns="0" rIns="0" bIns="0" rtlCol="0">
-            <a:normAutofit/>
+            <a:normAutofit fontScale="92500" lnSpcReduction="20000"/>
           </a:bodyPr>
           <a:lstStyle/>
           <a:p>
@@ -26302,13 +28271,26 @@
               <a:buNone/>
             </a:pPr>
             <a:r>
+              <a:rPr lang="en-US" dirty="0"/>
+              <a:t>The person I interviewed was my mum, my mum used a computer at her work. She used it to email her work mates and others. Her needs were that she needed another desktop computer cause her one was getting old, and it needed to be updated. That’s why I recommended for her to get the </a:t>
+            </a:r>
+            <a:r>
               <a:rPr lang="en-US" kern="1200" dirty="0">
                 <a:latin typeface="+mn-lt"/>
                 <a:ea typeface="+mn-ea"/>
                 <a:cs typeface="+mn-cs"/>
               </a:rPr>
-              <a:t>Subtitle</a:t>
+              <a:t>Dell OptiPlex</a:t>
             </a:r>
+            <a:r>
+              <a:rPr lang="en-US" dirty="0"/>
+              <a:t> 7400 computer.</a:t>
+            </a:r>
+            <a:endParaRPr lang="en-US" kern="1200" dirty="0">
+              <a:latin typeface="+mn-lt"/>
+              <a:ea typeface="+mn-ea"/>
+              <a:cs typeface="+mn-cs"/>
+            </a:endParaRPr>
           </a:p>
         </p:txBody>
       </p:sp>
@@ -28879,8 +30861,17 @@
                 <a:ea typeface="+mn-ea"/>
                 <a:cs typeface="+mn-cs"/>
               </a:rPr>
-              <a:t>Subtitle</a:t>
+              <a:t>The Dell OptiPlex</a:t>
             </a:r>
+            <a:r>
+              <a:rPr lang="en-US" dirty="0"/>
+              <a:t> 7400 computer was best for mum because it was easy to use, and it was newer than her old one. </a:t>
+            </a:r>
+            <a:endParaRPr lang="en-US" kern="1200" dirty="0">
+              <a:latin typeface="+mn-lt"/>
+              <a:ea typeface="+mn-ea"/>
+              <a:cs typeface="+mn-cs"/>
+            </a:endParaRPr>
           </a:p>
         </p:txBody>
       </p:sp>
@@ -29090,13 +31081,25 @@
         </p:spPr>
         <p:txBody>
           <a:bodyPr>
-            <a:normAutofit lnSpcReduction="10000"/>
+            <a:normAutofit/>
           </a:bodyPr>
           <a:lstStyle/>
           <a:p>
             <a:r>
               <a:rPr lang="en-US" dirty="0"/>
-              <a:t>With PowerPoint, you can create presentations and share your work with others, wherever they are. Type the text you want here to get started. You can also add images, art, and videos on this template. Save to OneDrive and access your presentations from your computer, tablet, or phone. </a:t>
+              <a:t>In conclusion, I think that the person I interviewed should get the </a:t>
+            </a:r>
+            <a:r>
+              <a:rPr lang="en-US" kern="1200" dirty="0">
+                <a:latin typeface="+mn-lt"/>
+                <a:ea typeface="+mn-ea"/>
+                <a:cs typeface="+mn-cs"/>
+              </a:rPr>
+              <a:t>Dell OptiPlex</a:t>
+            </a:r>
+            <a:r>
+              <a:rPr lang="en-US" dirty="0"/>
+              <a:t> 7400 computer, because it will make their job easier now and, in the future. </a:t>
             </a:r>
           </a:p>
         </p:txBody>
@@ -29294,19 +31297,27 @@
           <a:p>
             <a:r>
               <a:rPr lang="en-US" dirty="0"/>
-              <a:t>Presenter name</a:t>
+              <a:t>Whitiora</a:t>
             </a:r>
           </a:p>
           <a:p>
             <a:r>
               <a:rPr lang="en-US" dirty="0"/>
-              <a:t>Email address</a:t>
+              <a:t>Wbrady-brown@stu.kerikerihigh.ac.nz</a:t>
             </a:r>
           </a:p>
           <a:p>
             <a:r>
               <a:rPr lang="en-US" dirty="0"/>
-              <a:t>Website address</a:t>
+              <a:t>Website address: I </a:t>
+            </a:r>
+            <a:r>
+              <a:rPr lang="en-US" dirty="0" err="1"/>
+              <a:t>dont</a:t>
+            </a:r>
+            <a:r>
+              <a:rPr lang="en-US" dirty="0"/>
+              <a:t> have one</a:t>
             </a:r>
           </a:p>
         </p:txBody>
